--- a/MonsterCrusher Mod.pptx
+++ b/MonsterCrusher Mod.pptx
@@ -9,7 +9,6 @@
     <p:sldId id="257" r:id="rId3"/>
     <p:sldId id="258" r:id="rId4"/>
     <p:sldId id="259" r:id="rId5"/>
-    <p:sldId id="260" r:id="rId6"/>
   </p:sldIdLst>
   <p:sldSz cx="12192000" cy="6858000"/>
   <p:notesSz cx="6858000" cy="9144000"/>
@@ -838,7 +837,7 @@
           <a:p>
             <a:fld id="{E11E6BE7-0E31-468E-8699-185C9D497BEB}" type="datetimeFigureOut">
               <a:rPr kumimoji="1" lang="ja-JP" altLang="en-US" smtClean="0"/>
-              <a:t>2024/9/17</a:t>
+              <a:t>2024/9/18</a:t>
             </a:fld>
             <a:endParaRPr kumimoji="1" lang="ja-JP" altLang="en-US"/>
           </a:p>
@@ -1089,7 +1088,7 @@
           <a:p>
             <a:fld id="{E11E6BE7-0E31-468E-8699-185C9D497BEB}" type="datetimeFigureOut">
               <a:rPr kumimoji="1" lang="ja-JP" altLang="en-US" smtClean="0"/>
-              <a:t>2024/9/17</a:t>
+              <a:t>2024/9/18</a:t>
             </a:fld>
             <a:endParaRPr kumimoji="1" lang="ja-JP" altLang="en-US"/>
           </a:p>
@@ -1403,7 +1402,7 @@
           <a:p>
             <a:fld id="{E11E6BE7-0E31-468E-8699-185C9D497BEB}" type="datetimeFigureOut">
               <a:rPr kumimoji="1" lang="ja-JP" altLang="en-US" smtClean="0"/>
-              <a:t>2024/9/17</a:t>
+              <a:t>2024/9/18</a:t>
             </a:fld>
             <a:endParaRPr kumimoji="1" lang="ja-JP" altLang="en-US"/>
           </a:p>
@@ -1744,7 +1743,7 @@
           <a:p>
             <a:fld id="{E11E6BE7-0E31-468E-8699-185C9D497BEB}" type="datetimeFigureOut">
               <a:rPr kumimoji="1" lang="ja-JP" altLang="en-US" smtClean="0"/>
-              <a:t>2024/9/17</a:t>
+              <a:t>2024/9/18</a:t>
             </a:fld>
             <a:endParaRPr kumimoji="1" lang="ja-JP" altLang="en-US"/>
           </a:p>
@@ -2058,7 +2057,7 @@
           <a:p>
             <a:fld id="{E11E6BE7-0E31-468E-8699-185C9D497BEB}" type="datetimeFigureOut">
               <a:rPr kumimoji="1" lang="ja-JP" altLang="en-US" smtClean="0"/>
-              <a:t>2024/9/17</a:t>
+              <a:t>2024/9/18</a:t>
             </a:fld>
             <a:endParaRPr kumimoji="1" lang="ja-JP" altLang="en-US"/>
           </a:p>
@@ -2451,7 +2450,7 @@
           <a:p>
             <a:fld id="{E11E6BE7-0E31-468E-8699-185C9D497BEB}" type="datetimeFigureOut">
               <a:rPr kumimoji="1" lang="ja-JP" altLang="en-US" smtClean="0"/>
-              <a:t>2024/9/17</a:t>
+              <a:t>2024/9/18</a:t>
             </a:fld>
             <a:endParaRPr kumimoji="1" lang="ja-JP" altLang="en-US"/>
           </a:p>
@@ -2653,7 +2652,7 @@
           <a:p>
             <a:fld id="{E11E6BE7-0E31-468E-8699-185C9D497BEB}" type="datetimeFigureOut">
               <a:rPr kumimoji="1" lang="ja-JP" altLang="en-US" smtClean="0"/>
-              <a:t>2024/9/17</a:t>
+              <a:t>2024/9/18</a:t>
             </a:fld>
             <a:endParaRPr kumimoji="1" lang="ja-JP" altLang="en-US"/>
           </a:p>
@@ -2865,7 +2864,7 @@
           <a:p>
             <a:fld id="{E11E6BE7-0E31-468E-8699-185C9D497BEB}" type="datetimeFigureOut">
               <a:rPr kumimoji="1" lang="ja-JP" altLang="en-US" smtClean="0"/>
-              <a:t>2024/9/17</a:t>
+              <a:t>2024/9/18</a:t>
             </a:fld>
             <a:endParaRPr kumimoji="1" lang="ja-JP" altLang="en-US"/>
           </a:p>
@@ -3073,7 +3072,7 @@
           <a:p>
             <a:fld id="{E11E6BE7-0E31-468E-8699-185C9D497BEB}" type="datetimeFigureOut">
               <a:rPr kumimoji="1" lang="ja-JP" altLang="en-US" smtClean="0"/>
-              <a:t>2024/9/17</a:t>
+              <a:t>2024/9/18</a:t>
             </a:fld>
             <a:endParaRPr kumimoji="1" lang="ja-JP" altLang="en-US"/>
           </a:p>
@@ -3320,7 +3319,7 @@
           <a:p>
             <a:fld id="{E11E6BE7-0E31-468E-8699-185C9D497BEB}" type="datetimeFigureOut">
               <a:rPr kumimoji="1" lang="ja-JP" altLang="en-US" smtClean="0"/>
-              <a:t>2024/9/17</a:t>
+              <a:t>2024/9/18</a:t>
             </a:fld>
             <a:endParaRPr kumimoji="1" lang="ja-JP" altLang="en-US"/>
           </a:p>
@@ -3616,7 +3615,7 @@
           <a:p>
             <a:fld id="{E11E6BE7-0E31-468E-8699-185C9D497BEB}" type="datetimeFigureOut">
               <a:rPr kumimoji="1" lang="ja-JP" altLang="en-US" smtClean="0"/>
-              <a:t>2024/9/17</a:t>
+              <a:t>2024/9/18</a:t>
             </a:fld>
             <a:endParaRPr kumimoji="1" lang="ja-JP" altLang="en-US"/>
           </a:p>
@@ -4054,7 +4053,7 @@
           <a:p>
             <a:fld id="{E11E6BE7-0E31-468E-8699-185C9D497BEB}" type="datetimeFigureOut">
               <a:rPr kumimoji="1" lang="ja-JP" altLang="en-US" smtClean="0"/>
-              <a:t>2024/9/17</a:t>
+              <a:t>2024/9/18</a:t>
             </a:fld>
             <a:endParaRPr kumimoji="1" lang="ja-JP" altLang="en-US"/>
           </a:p>
@@ -4177,7 +4176,7 @@
           <a:p>
             <a:fld id="{E11E6BE7-0E31-468E-8699-185C9D497BEB}" type="datetimeFigureOut">
               <a:rPr kumimoji="1" lang="ja-JP" altLang="en-US" smtClean="0"/>
-              <a:t>2024/9/17</a:t>
+              <a:t>2024/9/18</a:t>
             </a:fld>
             <a:endParaRPr kumimoji="1" lang="ja-JP" altLang="en-US"/>
           </a:p>
@@ -4272,7 +4271,7 @@
           <a:p>
             <a:fld id="{E11E6BE7-0E31-468E-8699-185C9D497BEB}" type="datetimeFigureOut">
               <a:rPr kumimoji="1" lang="ja-JP" altLang="en-US" smtClean="0"/>
-              <a:t>2024/9/17</a:t>
+              <a:t>2024/9/18</a:t>
             </a:fld>
             <a:endParaRPr kumimoji="1" lang="ja-JP" altLang="en-US"/>
           </a:p>
@@ -4559,7 +4558,7 @@
           <a:p>
             <a:fld id="{E11E6BE7-0E31-468E-8699-185C9D497BEB}" type="datetimeFigureOut">
               <a:rPr kumimoji="1" lang="ja-JP" altLang="en-US" smtClean="0"/>
-              <a:t>2024/9/17</a:t>
+              <a:t>2024/9/18</a:t>
             </a:fld>
             <a:endParaRPr kumimoji="1" lang="ja-JP" altLang="en-US"/>
           </a:p>
@@ -4822,7 +4821,7 @@
           <a:p>
             <a:fld id="{E11E6BE7-0E31-468E-8699-185C9D497BEB}" type="datetimeFigureOut">
               <a:rPr kumimoji="1" lang="ja-JP" altLang="en-US" smtClean="0"/>
-              <a:t>2024/9/17</a:t>
+              <a:t>2024/9/18</a:t>
             </a:fld>
             <a:endParaRPr kumimoji="1" lang="ja-JP" altLang="en-US"/>
           </a:p>
@@ -5597,7 +5596,7 @@
           <a:p>
             <a:fld id="{E11E6BE7-0E31-468E-8699-185C9D497BEB}" type="datetimeFigureOut">
               <a:rPr kumimoji="1" lang="ja-JP" altLang="en-US" smtClean="0"/>
-              <a:t>2024/9/17</a:t>
+              <a:t>2024/9/18</a:t>
             </a:fld>
             <a:endParaRPr kumimoji="1" lang="ja-JP" altLang="en-US"/>
           </a:p>
@@ -6668,7 +6667,7 @@
           <a:p>
             <a:r>
               <a:rPr kumimoji="1" lang="ja-JP" altLang="en-US" dirty="0"/>
-              <a:t>一定数の敵を倒すと先に進める</a:t>
+              <a:t>一定数の敵を倒すとマップの先に進める</a:t>
             </a:r>
             <a:endParaRPr kumimoji="1" lang="en-US" altLang="ja-JP" dirty="0"/>
           </a:p>
@@ -6678,15 +6677,15 @@
           <a:p>
             <a:r>
               <a:rPr kumimoji="1" lang="ja-JP" altLang="en-US" dirty="0"/>
-              <a:t>最初はモブしか出ないが、最後の</a:t>
-            </a:r>
-            <a:r>
-              <a:rPr kumimoji="1" lang="en-US" altLang="ja-JP" dirty="0"/>
-              <a:t>Wave</a:t>
+              <a:t>最初はモブしか出ないが、最後はボス</a:t>
+            </a:r>
+            <a:r>
+              <a:rPr lang="ja-JP" altLang="en-US" dirty="0"/>
+              <a:t>が</a:t>
             </a:r>
             <a:r>
               <a:rPr kumimoji="1" lang="ja-JP" altLang="en-US" dirty="0"/>
-              <a:t>はボスだけ出現</a:t>
+              <a:t>出現</a:t>
             </a:r>
             <a:endParaRPr kumimoji="1" lang="en-US" altLang="ja-JP" dirty="0"/>
           </a:p>
@@ -7096,7 +7095,7 @@
           <a:p>
             <a:r>
               <a:rPr lang="ja-JP" altLang="en-US" dirty="0"/>
-              <a:t>ボスはそれぞれ、別々の攻撃を行う</a:t>
+              <a:t>ボスは、様々な攻撃を行う</a:t>
             </a:r>
             <a:endParaRPr lang="en-US" altLang="ja-JP" dirty="0"/>
           </a:p>
@@ -7163,7 +7162,7 @@
           <a:p>
             <a:r>
               <a:rPr kumimoji="1" lang="ja-JP" altLang="en-US" dirty="0"/>
-              <a:t>ゲームタイトル画面</a:t>
+              <a:t>ゲーム画面</a:t>
             </a:r>
           </a:p>
         </p:txBody>
@@ -7192,194 +7191,17 @@
         </p:blipFill>
         <p:spPr>
           <a:xfrm>
-            <a:off x="981001" y="3246536"/>
-            <a:ext cx="5310786" cy="2910400"/>
+            <a:off x="364067" y="2400798"/>
+            <a:ext cx="3752447" cy="2056404"/>
           </a:xfrm>
         </p:spPr>
       </p:pic>
-      <p:sp>
-        <p:nvSpPr>
-          <p:cNvPr id="6" name="テキスト ボックス 5">
+      <p:pic>
+        <p:nvPicPr>
+          <p:cNvPr id="7" name="図 6">
             <a:extLst>
               <a:ext uri="{FF2B5EF4-FFF2-40B4-BE49-F238E27FC236}">
-                <a16:creationId xmlns:a16="http://schemas.microsoft.com/office/drawing/2014/main" id="{127F9FA1-6F63-4917-A839-FCF3848795F2}"/>
-              </a:ext>
-            </a:extLst>
-          </p:cNvPr>
-          <p:cNvSpPr txBox="1"/>
-          <p:nvPr/>
-        </p:nvSpPr>
-        <p:spPr>
-          <a:xfrm>
-            <a:off x="837127" y="1184856"/>
-            <a:ext cx="6490952" cy="1323439"/>
-          </a:xfrm>
-          <a:prstGeom prst="rect">
-            <a:avLst/>
-          </a:prstGeom>
-          <a:noFill/>
-        </p:spPr>
-        <p:txBody>
-          <a:bodyPr wrap="square" rtlCol="0">
-            <a:spAutoFit/>
-          </a:bodyPr>
-          <a:lstStyle/>
-          <a:p>
-            <a:r>
-              <a:rPr kumimoji="1" lang="ja-JP" altLang="en-US" sz="4000" dirty="0"/>
-              <a:t>・</a:t>
-            </a:r>
-            <a:r>
-              <a:rPr kumimoji="1" lang="en-US" altLang="ja-JP" sz="4000" dirty="0"/>
-              <a:t>A</a:t>
-            </a:r>
-            <a:r>
-              <a:rPr kumimoji="1" lang="ja-JP" altLang="en-US" sz="4000" dirty="0"/>
-              <a:t>ボタンを押すと</a:t>
-            </a:r>
-            <a:endParaRPr kumimoji="1" lang="en-US" altLang="ja-JP" sz="4000" dirty="0"/>
-          </a:p>
-          <a:p>
-            <a:r>
-              <a:rPr kumimoji="1" lang="ja-JP" altLang="en-US" sz="4000" dirty="0"/>
-              <a:t>　セレクト画面に遷移する</a:t>
-            </a:r>
-          </a:p>
-        </p:txBody>
-      </p:sp>
-    </p:spTree>
-    <p:extLst>
-      <p:ext uri="{BB962C8B-B14F-4D97-AF65-F5344CB8AC3E}">
-        <p14:creationId xmlns:p14="http://schemas.microsoft.com/office/powerpoint/2010/main" val="1181383382"/>
-      </p:ext>
-    </p:extLst>
-  </p:cSld>
-  <p:clrMapOvr>
-    <a:masterClrMapping/>
-  </p:clrMapOvr>
-</p:sld>
-</file>
-
-<file path=ppt/slides/slide5.xml><?xml version="1.0" encoding="utf-8"?>
-<p:sld xmlns:a="http://schemas.openxmlformats.org/drawingml/2006/main" xmlns:r="http://schemas.openxmlformats.org/officeDocument/2006/relationships" xmlns:p="http://schemas.openxmlformats.org/presentationml/2006/main">
-  <p:cSld>
-    <p:spTree>
-      <p:nvGrpSpPr>
-        <p:cNvPr id="1" name=""/>
-        <p:cNvGrpSpPr/>
-        <p:nvPr/>
-      </p:nvGrpSpPr>
-      <p:grpSpPr>
-        <a:xfrm>
-          <a:off x="0" y="0"/>
-          <a:ext cx="0" cy="0"/>
-          <a:chOff x="0" y="0"/>
-          <a:chExt cx="0" cy="0"/>
-        </a:xfrm>
-      </p:grpSpPr>
-      <p:sp>
-        <p:nvSpPr>
-          <p:cNvPr id="2" name="タイトル 1">
-            <a:extLst>
-              <a:ext uri="{FF2B5EF4-FFF2-40B4-BE49-F238E27FC236}">
-                <a16:creationId xmlns:a16="http://schemas.microsoft.com/office/drawing/2014/main" id="{1314F07F-DA5D-4710-BDA8-12B7856580F7}"/>
-              </a:ext>
-            </a:extLst>
-          </p:cNvPr>
-          <p:cNvSpPr>
-            <a:spLocks noGrp="1"/>
-          </p:cNvSpPr>
-          <p:nvPr>
-            <p:ph type="title"/>
-          </p:nvPr>
-        </p:nvSpPr>
-        <p:spPr>
-          <a:xfrm>
-            <a:off x="677334" y="609600"/>
-            <a:ext cx="8596668" cy="613893"/>
-          </a:xfrm>
-        </p:spPr>
-        <p:txBody>
-          <a:bodyPr>
-            <a:normAutofit fontScale="90000"/>
-          </a:bodyPr>
-          <a:lstStyle/>
-          <a:p>
-            <a:r>
-              <a:rPr kumimoji="1" lang="ja-JP" altLang="en-US" dirty="0"/>
-              <a:t>ゲームプレイ画面</a:t>
-            </a:r>
-          </a:p>
-        </p:txBody>
-      </p:sp>
-      <p:sp>
-        <p:nvSpPr>
-          <p:cNvPr id="3" name="コンテンツ プレースホルダー 2">
-            <a:extLst>
-              <a:ext uri="{FF2B5EF4-FFF2-40B4-BE49-F238E27FC236}">
-                <a16:creationId xmlns:a16="http://schemas.microsoft.com/office/drawing/2014/main" id="{3D8B9087-CEE1-4AAC-9CE2-FF167F073129}"/>
-              </a:ext>
-            </a:extLst>
-          </p:cNvPr>
-          <p:cNvSpPr>
-            <a:spLocks noGrp="1"/>
-          </p:cNvSpPr>
-          <p:nvPr>
-            <p:ph idx="1"/>
-          </p:nvPr>
-        </p:nvSpPr>
-        <p:spPr>
-          <a:xfrm>
-            <a:off x="677334" y="1223492"/>
-            <a:ext cx="8596668" cy="2019241"/>
-          </a:xfrm>
-        </p:spPr>
-        <p:txBody>
-          <a:bodyPr/>
-          <a:lstStyle/>
-          <a:p>
-            <a:r>
-              <a:rPr kumimoji="1" lang="ja-JP" altLang="en-US" dirty="0"/>
-              <a:t>右上に残り敵数が書いている　敵を倒すと減っていく</a:t>
-            </a:r>
-            <a:endParaRPr kumimoji="1" lang="en-US" altLang="ja-JP" dirty="0"/>
-          </a:p>
-          <a:p>
-            <a:endParaRPr lang="en-US" altLang="ja-JP" dirty="0"/>
-          </a:p>
-          <a:p>
-            <a:r>
-              <a:rPr lang="ja-JP" altLang="en-US" dirty="0"/>
-              <a:t>右側に操作の説明</a:t>
-            </a:r>
-            <a:endParaRPr lang="en-US" altLang="ja-JP" dirty="0"/>
-          </a:p>
-          <a:p>
-            <a:endParaRPr lang="en-US" altLang="ja-JP" dirty="0"/>
-          </a:p>
-          <a:p>
-            <a:r>
-              <a:rPr kumimoji="1" lang="ja-JP" altLang="en-US" dirty="0"/>
-              <a:t>左上にプレイヤーの</a:t>
-            </a:r>
-            <a:r>
-              <a:rPr kumimoji="1" lang="en-US" altLang="ja-JP" dirty="0"/>
-              <a:t>HP</a:t>
-            </a:r>
-            <a:r>
-              <a:rPr kumimoji="1" lang="ja-JP" altLang="en-US" dirty="0"/>
-              <a:t>バー</a:t>
-            </a:r>
-            <a:endParaRPr kumimoji="1" lang="en-US" altLang="ja-JP" dirty="0"/>
-          </a:p>
-        </p:txBody>
-      </p:sp>
-      <p:pic>
-        <p:nvPicPr>
-          <p:cNvPr id="5" name="図 4">
-            <a:extLst>
-              <a:ext uri="{FF2B5EF4-FFF2-40B4-BE49-F238E27FC236}">
-                <a16:creationId xmlns:a16="http://schemas.microsoft.com/office/drawing/2014/main" id="{17619FF7-82C0-4617-8721-E04508D0B3F3}"/>
+                <a16:creationId xmlns:a16="http://schemas.microsoft.com/office/drawing/2014/main" id="{A3DE3AA2-ECED-4D43-9A7A-22D053BB4165}"/>
               </a:ext>
             </a:extLst>
           </p:cNvPr>
@@ -7389,25 +7211,161 @@
           <p:nvPr/>
         </p:nvPicPr>
         <p:blipFill>
-          <a:blip r:embed="rId2"/>
+          <a:blip r:embed="rId3"/>
           <a:stretch>
             <a:fillRect/>
           </a:stretch>
         </p:blipFill>
         <p:spPr>
           <a:xfrm>
-            <a:off x="677334" y="3615268"/>
-            <a:ext cx="5215467" cy="2932511"/>
+            <a:off x="4419602" y="2400798"/>
+            <a:ext cx="3657311" cy="2056404"/>
           </a:xfrm>
           <a:prstGeom prst="rect">
             <a:avLst/>
           </a:prstGeom>
         </p:spPr>
       </p:pic>
+      <p:pic>
+        <p:nvPicPr>
+          <p:cNvPr id="4" name="図 3">
+            <a:extLst>
+              <a:ext uri="{FF2B5EF4-FFF2-40B4-BE49-F238E27FC236}">
+                <a16:creationId xmlns:a16="http://schemas.microsoft.com/office/drawing/2014/main" id="{65CA35C1-A55B-4B31-AF3B-09AE2A68AC28}"/>
+              </a:ext>
+            </a:extLst>
+          </p:cNvPr>
+          <p:cNvPicPr>
+            <a:picLocks noChangeAspect="1"/>
+          </p:cNvPicPr>
+          <p:nvPr/>
+        </p:nvPicPr>
+        <p:blipFill>
+          <a:blip r:embed="rId4"/>
+          <a:stretch>
+            <a:fillRect/>
+          </a:stretch>
+        </p:blipFill>
+        <p:spPr>
+          <a:xfrm>
+            <a:off x="8380000" y="2400798"/>
+            <a:ext cx="3657311" cy="2056404"/>
+          </a:xfrm>
+          <a:prstGeom prst="rect">
+            <a:avLst/>
+          </a:prstGeom>
+        </p:spPr>
+      </p:pic>
+      <p:sp>
+        <p:nvSpPr>
+          <p:cNvPr id="8" name="テキスト ボックス 7">
+            <a:extLst>
+              <a:ext uri="{FF2B5EF4-FFF2-40B4-BE49-F238E27FC236}">
+                <a16:creationId xmlns:a16="http://schemas.microsoft.com/office/drawing/2014/main" id="{CA17F90F-5BEE-4563-A259-C51E4F1C17B3}"/>
+              </a:ext>
+            </a:extLst>
+          </p:cNvPr>
+          <p:cNvSpPr txBox="1"/>
+          <p:nvPr/>
+        </p:nvSpPr>
+        <p:spPr>
+          <a:xfrm>
+            <a:off x="745067" y="2040467"/>
+            <a:ext cx="2878666" cy="369332"/>
+          </a:xfrm>
+          <a:prstGeom prst="rect">
+            <a:avLst/>
+          </a:prstGeom>
+          <a:noFill/>
+        </p:spPr>
+        <p:txBody>
+          <a:bodyPr wrap="square" rtlCol="0">
+            <a:spAutoFit/>
+          </a:bodyPr>
+          <a:lstStyle/>
+          <a:p>
+            <a:r>
+              <a:rPr kumimoji="1" lang="ja-JP" altLang="en-US" dirty="0"/>
+              <a:t>タイトル</a:t>
+            </a:r>
+          </a:p>
+        </p:txBody>
+      </p:sp>
+      <p:sp>
+        <p:nvSpPr>
+          <p:cNvPr id="9" name="テキスト ボックス 8">
+            <a:extLst>
+              <a:ext uri="{FF2B5EF4-FFF2-40B4-BE49-F238E27FC236}">
+                <a16:creationId xmlns:a16="http://schemas.microsoft.com/office/drawing/2014/main" id="{2FAA35FD-49AA-4044-AB6C-74FAD2199AB9}"/>
+              </a:ext>
+            </a:extLst>
+          </p:cNvPr>
+          <p:cNvSpPr txBox="1"/>
+          <p:nvPr/>
+        </p:nvSpPr>
+        <p:spPr>
+          <a:xfrm>
+            <a:off x="4656667" y="2031466"/>
+            <a:ext cx="2878666" cy="369332"/>
+          </a:xfrm>
+          <a:prstGeom prst="rect">
+            <a:avLst/>
+          </a:prstGeom>
+          <a:noFill/>
+        </p:spPr>
+        <p:txBody>
+          <a:bodyPr wrap="square" rtlCol="0">
+            <a:spAutoFit/>
+          </a:bodyPr>
+          <a:lstStyle/>
+          <a:p>
+            <a:r>
+              <a:rPr kumimoji="1" lang="ja-JP" altLang="en-US" dirty="0"/>
+              <a:t>プレイ中</a:t>
+            </a:r>
+          </a:p>
+        </p:txBody>
+      </p:sp>
+      <p:sp>
+        <p:nvSpPr>
+          <p:cNvPr id="10" name="テキスト ボックス 9">
+            <a:extLst>
+              <a:ext uri="{FF2B5EF4-FFF2-40B4-BE49-F238E27FC236}">
+                <a16:creationId xmlns:a16="http://schemas.microsoft.com/office/drawing/2014/main" id="{50BD8D16-BC11-455B-8D75-3443DA4C1D5A}"/>
+              </a:ext>
+            </a:extLst>
+          </p:cNvPr>
+          <p:cNvSpPr txBox="1"/>
+          <p:nvPr/>
+        </p:nvSpPr>
+        <p:spPr>
+          <a:xfrm>
+            <a:off x="8617066" y="2046799"/>
+            <a:ext cx="2878666" cy="369332"/>
+          </a:xfrm>
+          <a:prstGeom prst="rect">
+            <a:avLst/>
+          </a:prstGeom>
+          <a:noFill/>
+        </p:spPr>
+        <p:txBody>
+          <a:bodyPr wrap="square" rtlCol="0">
+            <a:spAutoFit/>
+          </a:bodyPr>
+          <a:lstStyle/>
+          <a:p>
+            <a:r>
+              <a:rPr kumimoji="1" lang="ja-JP" altLang="en-US" dirty="0"/>
+              <a:t>クリア</a:t>
+            </a:r>
+            <a:endParaRPr kumimoji="1" lang="en-US" altLang="ja-JP" dirty="0"/>
+          </a:p>
+        </p:txBody>
+      </p:sp>
     </p:spTree>
     <p:extLst>
       <p:ext uri="{BB962C8B-B14F-4D97-AF65-F5344CB8AC3E}">
-        <p14:creationId xmlns:p14="http://schemas.microsoft.com/office/powerpoint/2010/main" val="234930554"/>
+        <p14:creationId xmlns:p14="http://schemas.microsoft.com/office/powerpoint/2010/main" val="1181383382"/>
       </p:ext>
     </p:extLst>
   </p:cSld>

--- a/MonsterCrusher Mod.pptx
+++ b/MonsterCrusher Mod.pptx
@@ -6250,52 +6250,13 @@
           <a:p>
             <a:pPr algn="l"/>
             <a:r>
-              <a:rPr kumimoji="1" lang="ja-JP" altLang="en-US" sz="1600" dirty="0">
+              <a:rPr lang="ja-JP" altLang="en-US" sz="1600" dirty="0">
                 <a:solidFill>
                   <a:schemeClr val="tx1"/>
                 </a:solidFill>
                 <a:latin typeface="+mn-ea"/>
               </a:rPr>
-              <a:t>■プラットフォーム</a:t>
-            </a:r>
-            <a:endParaRPr kumimoji="1" lang="en-US" altLang="ja-JP" sz="1600" dirty="0">
-              <a:solidFill>
-                <a:schemeClr val="tx1"/>
-              </a:solidFill>
-              <a:latin typeface="+mn-ea"/>
-            </a:endParaRPr>
-          </a:p>
-          <a:p>
-            <a:pPr algn="l"/>
-            <a:r>
-              <a:rPr kumimoji="1" lang="ja-JP" altLang="en-US" sz="1600" dirty="0">
-                <a:solidFill>
-                  <a:schemeClr val="tx1"/>
-                </a:solidFill>
-                <a:latin typeface="+mn-ea"/>
-              </a:rPr>
-              <a:t>・</a:t>
-            </a:r>
-            <a:r>
-              <a:rPr lang="en-US" altLang="ja-JP" sz="1600" dirty="0">
-                <a:solidFill>
-                  <a:schemeClr val="tx1"/>
-                </a:solidFill>
-                <a:latin typeface="+mn-ea"/>
-              </a:rPr>
-              <a:t>PC</a:t>
-            </a:r>
-          </a:p>
-          <a:p>
-            <a:pPr algn="l"/>
-            <a:r>
-              <a:rPr lang="ja-JP" altLang="en-US" sz="1600" dirty="0">
-                <a:solidFill>
-                  <a:schemeClr val="tx1"/>
-                </a:solidFill>
-                <a:latin typeface="+mn-ea"/>
-              </a:rPr>
-              <a:t>■開発</a:t>
+              <a:t>■プレイ人数</a:t>
             </a:r>
             <a:endParaRPr lang="en-US" altLang="ja-JP" sz="1600" dirty="0">
               <a:solidFill>
@@ -6316,117 +6277,28 @@
               <a:t>・</a:t>
             </a:r>
             <a:r>
-              <a:rPr lang="en-US" altLang="ja-JP" sz="1600" dirty="0" err="1">
+              <a:rPr lang="en-US" altLang="ja-JP" sz="1600" dirty="0">
                 <a:solidFill>
                   <a:schemeClr val="tx1"/>
                 </a:solidFill>
                 <a:latin typeface="+mn-ea"/>
               </a:rPr>
-              <a:t>DxLib</a:t>
+              <a:t>1</a:t>
+            </a:r>
+            <a:r>
+              <a:rPr lang="ja-JP" altLang="en-US" sz="1600" dirty="0">
+                <a:solidFill>
+                  <a:schemeClr val="tx1"/>
+                </a:solidFill>
+                <a:latin typeface="+mn-ea"/>
+              </a:rPr>
+              <a:t>人</a:t>
             </a:r>
             <a:endParaRPr lang="en-US" altLang="ja-JP" sz="1600" dirty="0">
               <a:solidFill>
                 <a:schemeClr val="tx1"/>
               </a:solidFill>
               <a:latin typeface="+mn-ea"/>
-            </a:endParaRPr>
-          </a:p>
-          <a:p>
-            <a:pPr algn="l"/>
-            <a:r>
-              <a:rPr lang="ja-JP" altLang="en-US" sz="1600" dirty="0">
-                <a:solidFill>
-                  <a:schemeClr val="tx1"/>
-                </a:solidFill>
-                <a:latin typeface="+mn-ea"/>
-              </a:rPr>
-              <a:t>■プレイ人数</a:t>
-            </a:r>
-            <a:endParaRPr lang="en-US" altLang="ja-JP" sz="1600" dirty="0">
-              <a:solidFill>
-                <a:schemeClr val="tx1"/>
-              </a:solidFill>
-              <a:latin typeface="+mn-ea"/>
-            </a:endParaRPr>
-          </a:p>
-          <a:p>
-            <a:pPr algn="l"/>
-            <a:r>
-              <a:rPr lang="ja-JP" altLang="en-US" sz="1600" dirty="0">
-                <a:solidFill>
-                  <a:schemeClr val="tx1"/>
-                </a:solidFill>
-                <a:latin typeface="+mn-ea"/>
-              </a:rPr>
-              <a:t>・</a:t>
-            </a:r>
-            <a:r>
-              <a:rPr lang="en-US" altLang="ja-JP" sz="1600" dirty="0">
-                <a:solidFill>
-                  <a:schemeClr val="tx1"/>
-                </a:solidFill>
-                <a:latin typeface="+mn-ea"/>
-              </a:rPr>
-              <a:t>1</a:t>
-            </a:r>
-            <a:r>
-              <a:rPr lang="ja-JP" altLang="en-US" sz="1600" dirty="0">
-                <a:solidFill>
-                  <a:schemeClr val="tx1"/>
-                </a:solidFill>
-                <a:latin typeface="+mn-ea"/>
-              </a:rPr>
-              <a:t>人</a:t>
-            </a:r>
-            <a:endParaRPr lang="en-US" altLang="ja-JP" sz="1600" dirty="0">
-              <a:solidFill>
-                <a:schemeClr val="tx1"/>
-              </a:solidFill>
-              <a:latin typeface="+mn-ea"/>
-            </a:endParaRPr>
-          </a:p>
-          <a:p>
-            <a:pPr algn="l"/>
-            <a:r>
-              <a:rPr lang="ja-JP" altLang="en-US" sz="1600" dirty="0">
-                <a:solidFill>
-                  <a:schemeClr val="tx1"/>
-                </a:solidFill>
-                <a:latin typeface="+mn-ea"/>
-              </a:rPr>
-              <a:t>■操作</a:t>
-            </a:r>
-            <a:endParaRPr lang="en-US" altLang="ja-JP" sz="1600" dirty="0">
-              <a:solidFill>
-                <a:schemeClr val="tx1"/>
-              </a:solidFill>
-              <a:latin typeface="+mn-ea"/>
-            </a:endParaRPr>
-          </a:p>
-          <a:p>
-            <a:pPr algn="l"/>
-            <a:r>
-              <a:rPr lang="ja-JP" altLang="en-US" sz="1600" dirty="0">
-                <a:solidFill>
-                  <a:schemeClr val="tx1"/>
-                </a:solidFill>
-                <a:latin typeface="+mn-ea"/>
-              </a:rPr>
-              <a:t>・コントローラー</a:t>
-            </a:r>
-            <a:endParaRPr lang="en-US" altLang="ja-JP" sz="1600" dirty="0">
-              <a:solidFill>
-                <a:schemeClr val="tx1"/>
-              </a:solidFill>
-              <a:latin typeface="+mn-ea"/>
-            </a:endParaRPr>
-          </a:p>
-          <a:p>
-            <a:pPr algn="l"/>
-            <a:endParaRPr kumimoji="1" lang="en-US" altLang="ja-JP" dirty="0">
-              <a:solidFill>
-                <a:schemeClr val="tx1"/>
-              </a:solidFill>
             </a:endParaRPr>
           </a:p>
           <a:p>
@@ -7075,7 +6947,7 @@
           <a:p>
             <a:r>
               <a:rPr lang="ja-JP" altLang="en-US" dirty="0"/>
-              <a:t>プレイヤーは攻撃しかできない</a:t>
+              <a:t>プレイヤーは攻撃や魔法攻撃ができます。</a:t>
             </a:r>
             <a:endParaRPr lang="en-US" altLang="ja-JP" dirty="0"/>
           </a:p>
@@ -7164,6 +7036,19 @@
               <a:rPr kumimoji="1" lang="ja-JP" altLang="en-US" dirty="0"/>
               <a:t>ゲーム画面</a:t>
             </a:r>
+            <a:r>
+              <a:rPr kumimoji="1" lang="en-US" altLang="ja-JP" dirty="0"/>
+              <a:t>(</a:t>
+            </a:r>
+            <a:r>
+              <a:rPr kumimoji="1" lang="ja-JP" altLang="en-US" dirty="0"/>
+              <a:t>予想</a:t>
+            </a:r>
+            <a:r>
+              <a:rPr kumimoji="1" lang="en-US" altLang="ja-JP" dirty="0"/>
+              <a:t>)</a:t>
+            </a:r>
+            <a:endParaRPr kumimoji="1" lang="ja-JP" altLang="en-US" dirty="0"/>
           </a:p>
         </p:txBody>
       </p:sp>

--- a/MonsterCrusher Mod.pptx
+++ b/MonsterCrusher Mod.pptx
@@ -7076,7 +7076,7 @@
         </p:blipFill>
         <p:spPr>
           <a:xfrm>
-            <a:off x="364067" y="2400798"/>
+            <a:off x="364067" y="1435598"/>
             <a:ext cx="3752447" cy="2056404"/>
           </a:xfrm>
         </p:spPr>
@@ -7103,7 +7103,7 @@
         </p:blipFill>
         <p:spPr>
           <a:xfrm>
-            <a:off x="4419602" y="2400798"/>
+            <a:off x="4419602" y="1435598"/>
             <a:ext cx="3657311" cy="2056404"/>
           </a:xfrm>
           <a:prstGeom prst="rect">
@@ -7133,7 +7133,7 @@
         </p:blipFill>
         <p:spPr>
           <a:xfrm>
-            <a:off x="8380000" y="2400798"/>
+            <a:off x="8380000" y="1435598"/>
             <a:ext cx="3657311" cy="2056404"/>
           </a:xfrm>
           <a:prstGeom prst="rect">
@@ -7155,7 +7155,7 @@
         </p:nvSpPr>
         <p:spPr>
           <a:xfrm>
-            <a:off x="745067" y="2040467"/>
+            <a:off x="5958889" y="4097866"/>
             <a:ext cx="2878666" cy="369332"/>
           </a:xfrm>
           <a:prstGeom prst="rect">
@@ -7171,8 +7171,9 @@
           <a:p>
             <a:r>
               <a:rPr kumimoji="1" lang="ja-JP" altLang="en-US" dirty="0"/>
-              <a:t>タイトル</a:t>
-            </a:r>
+              <a:t>ゲームオーバー</a:t>
+            </a:r>
+            <a:endParaRPr kumimoji="1" lang="en-US" altLang="ja-JP" dirty="0"/>
           </a:p>
         </p:txBody>
       </p:sp>
@@ -7190,7 +7191,7 @@
         </p:nvSpPr>
         <p:spPr>
           <a:xfrm>
-            <a:off x="4656667" y="2031466"/>
+            <a:off x="4656667" y="1066266"/>
             <a:ext cx="2878666" cy="369332"/>
           </a:xfrm>
           <a:prstGeom prst="rect">
@@ -7225,7 +7226,7 @@
         </p:nvSpPr>
         <p:spPr>
           <a:xfrm>
-            <a:off x="8617066" y="2046799"/>
+            <a:off x="8617066" y="1081599"/>
             <a:ext cx="2878666" cy="369332"/>
           </a:xfrm>
           <a:prstGeom prst="rect">
@@ -7244,6 +7245,304 @@
               <a:t>クリア</a:t>
             </a:r>
             <a:endParaRPr kumimoji="1" lang="en-US" altLang="ja-JP" dirty="0"/>
+          </a:p>
+        </p:txBody>
+      </p:sp>
+      <p:sp>
+        <p:nvSpPr>
+          <p:cNvPr id="3" name="正方形/長方形 2">
+            <a:extLst>
+              <a:ext uri="{FF2B5EF4-FFF2-40B4-BE49-F238E27FC236}">
+                <a16:creationId xmlns:a16="http://schemas.microsoft.com/office/drawing/2014/main" id="{BE624723-E506-4F56-9E4E-4E4E1FF3791C}"/>
+              </a:ext>
+            </a:extLst>
+          </p:cNvPr>
+          <p:cNvSpPr/>
+          <p:nvPr/>
+        </p:nvSpPr>
+        <p:spPr>
+          <a:xfrm>
+            <a:off x="1024467" y="4470400"/>
+            <a:ext cx="3395135" cy="2175933"/>
+          </a:xfrm>
+          <a:prstGeom prst="rect">
+            <a:avLst/>
+          </a:prstGeom>
+        </p:spPr>
+        <p:style>
+          <a:lnRef idx="2">
+            <a:schemeClr val="accent1">
+              <a:shade val="50000"/>
+            </a:schemeClr>
+          </a:lnRef>
+          <a:fillRef idx="1">
+            <a:schemeClr val="accent1"/>
+          </a:fillRef>
+          <a:effectRef idx="0">
+            <a:schemeClr val="accent1"/>
+          </a:effectRef>
+          <a:fontRef idx="minor">
+            <a:schemeClr val="lt1"/>
+          </a:fontRef>
+        </p:style>
+        <p:txBody>
+          <a:bodyPr rtlCol="0" anchor="ctr"/>
+          <a:lstStyle/>
+          <a:p>
+            <a:pPr algn="ctr"/>
+            <a:endParaRPr kumimoji="1" lang="ja-JP" altLang="en-US"/>
+          </a:p>
+        </p:txBody>
+      </p:sp>
+      <p:sp>
+        <p:nvSpPr>
+          <p:cNvPr id="6" name="正方形/長方形 5">
+            <a:extLst>
+              <a:ext uri="{FF2B5EF4-FFF2-40B4-BE49-F238E27FC236}">
+                <a16:creationId xmlns:a16="http://schemas.microsoft.com/office/drawing/2014/main" id="{E65E7529-72B1-429C-92E5-5C3503C6FD58}"/>
+              </a:ext>
+            </a:extLst>
+          </p:cNvPr>
+          <p:cNvSpPr/>
+          <p:nvPr/>
+        </p:nvSpPr>
+        <p:spPr>
+          <a:xfrm>
+            <a:off x="1227667" y="4656667"/>
+            <a:ext cx="1380067" cy="1456266"/>
+          </a:xfrm>
+          <a:prstGeom prst="rect">
+            <a:avLst/>
+          </a:prstGeom>
+        </p:spPr>
+        <p:style>
+          <a:lnRef idx="2">
+            <a:schemeClr val="dk1"/>
+          </a:lnRef>
+          <a:fillRef idx="1">
+            <a:schemeClr val="lt1"/>
+          </a:fillRef>
+          <a:effectRef idx="0">
+            <a:schemeClr val="dk1"/>
+          </a:effectRef>
+          <a:fontRef idx="minor">
+            <a:schemeClr val="dk1"/>
+          </a:fontRef>
+        </p:style>
+        <p:txBody>
+          <a:bodyPr rtlCol="0" anchor="ctr"/>
+          <a:lstStyle/>
+          <a:p>
+            <a:pPr algn="ctr"/>
+            <a:r>
+              <a:rPr kumimoji="1" lang="ja-JP" altLang="en-US" dirty="0"/>
+              <a:t>ステージ</a:t>
+            </a:r>
+            <a:r>
+              <a:rPr kumimoji="1" lang="en-US" altLang="ja-JP" dirty="0"/>
+              <a:t>1</a:t>
+            </a:r>
+          </a:p>
+        </p:txBody>
+      </p:sp>
+      <p:sp>
+        <p:nvSpPr>
+          <p:cNvPr id="11" name="正方形/長方形 10">
+            <a:extLst>
+              <a:ext uri="{FF2B5EF4-FFF2-40B4-BE49-F238E27FC236}">
+                <a16:creationId xmlns:a16="http://schemas.microsoft.com/office/drawing/2014/main" id="{ED35EF42-6F56-456D-AF8F-E433470E3E33}"/>
+              </a:ext>
+            </a:extLst>
+          </p:cNvPr>
+          <p:cNvSpPr/>
+          <p:nvPr/>
+        </p:nvSpPr>
+        <p:spPr>
+          <a:xfrm>
+            <a:off x="2810933" y="4656667"/>
+            <a:ext cx="1380067" cy="1456266"/>
+          </a:xfrm>
+          <a:prstGeom prst="rect">
+            <a:avLst/>
+          </a:prstGeom>
+          <a:solidFill>
+            <a:schemeClr val="bg2">
+              <a:lumMod val="90000"/>
+            </a:schemeClr>
+          </a:solidFill>
+        </p:spPr>
+        <p:style>
+          <a:lnRef idx="2">
+            <a:schemeClr val="dk1"/>
+          </a:lnRef>
+          <a:fillRef idx="1">
+            <a:schemeClr val="lt1"/>
+          </a:fillRef>
+          <a:effectRef idx="0">
+            <a:schemeClr val="dk1"/>
+          </a:effectRef>
+          <a:fontRef idx="minor">
+            <a:schemeClr val="dk1"/>
+          </a:fontRef>
+        </p:style>
+        <p:txBody>
+          <a:bodyPr rtlCol="0" anchor="ctr"/>
+          <a:lstStyle/>
+          <a:p>
+            <a:pPr algn="ctr"/>
+            <a:r>
+              <a:rPr kumimoji="1" lang="ja-JP" altLang="en-US" dirty="0"/>
+              <a:t>ステージ</a:t>
+            </a:r>
+            <a:r>
+              <a:rPr kumimoji="1" lang="en-US" altLang="ja-JP" dirty="0"/>
+              <a:t>2</a:t>
+            </a:r>
+          </a:p>
+        </p:txBody>
+      </p:sp>
+      <p:sp>
+        <p:nvSpPr>
+          <p:cNvPr id="12" name="二等辺三角形 11">
+            <a:extLst>
+              <a:ext uri="{FF2B5EF4-FFF2-40B4-BE49-F238E27FC236}">
+                <a16:creationId xmlns:a16="http://schemas.microsoft.com/office/drawing/2014/main" id="{855DD62E-1121-4CB7-B737-A1416BE4CE22}"/>
+              </a:ext>
+            </a:extLst>
+          </p:cNvPr>
+          <p:cNvSpPr/>
+          <p:nvPr/>
+        </p:nvSpPr>
+        <p:spPr>
+          <a:xfrm rot="5400000">
+            <a:off x="3917476" y="6197600"/>
+            <a:ext cx="398076" cy="364066"/>
+          </a:xfrm>
+          <a:prstGeom prst="triangle">
+            <a:avLst/>
+          </a:prstGeom>
+        </p:spPr>
+        <p:style>
+          <a:lnRef idx="2">
+            <a:schemeClr val="accent2"/>
+          </a:lnRef>
+          <a:fillRef idx="1">
+            <a:schemeClr val="lt1"/>
+          </a:fillRef>
+          <a:effectRef idx="0">
+            <a:schemeClr val="accent2"/>
+          </a:effectRef>
+          <a:fontRef idx="minor">
+            <a:schemeClr val="dk1"/>
+          </a:fontRef>
+        </p:style>
+        <p:txBody>
+          <a:bodyPr rtlCol="0" anchor="ctr"/>
+          <a:lstStyle/>
+          <a:p>
+            <a:pPr algn="ctr"/>
+            <a:endParaRPr kumimoji="1" lang="ja-JP" altLang="en-US"/>
+          </a:p>
+        </p:txBody>
+      </p:sp>
+      <p:sp>
+        <p:nvSpPr>
+          <p:cNvPr id="14" name="テキスト ボックス 13">
+            <a:extLst>
+              <a:ext uri="{FF2B5EF4-FFF2-40B4-BE49-F238E27FC236}">
+                <a16:creationId xmlns:a16="http://schemas.microsoft.com/office/drawing/2014/main" id="{081379CC-6CC4-4AC7-BFC4-DB506678AE95}"/>
+              </a:ext>
+            </a:extLst>
+          </p:cNvPr>
+          <p:cNvSpPr txBox="1"/>
+          <p:nvPr/>
+        </p:nvSpPr>
+        <p:spPr>
+          <a:xfrm>
+            <a:off x="1363133" y="4114800"/>
+            <a:ext cx="1905000" cy="369332"/>
+          </a:xfrm>
+          <a:prstGeom prst="rect">
+            <a:avLst/>
+          </a:prstGeom>
+          <a:noFill/>
+        </p:spPr>
+        <p:txBody>
+          <a:bodyPr wrap="square" rtlCol="0">
+            <a:spAutoFit/>
+          </a:bodyPr>
+          <a:lstStyle/>
+          <a:p>
+            <a:r>
+              <a:rPr kumimoji="1" lang="ja-JP" altLang="en-US" dirty="0"/>
+              <a:t>セレクト</a:t>
+            </a:r>
+            <a:endParaRPr kumimoji="1" lang="en-US" altLang="ja-JP" dirty="0"/>
+          </a:p>
+        </p:txBody>
+      </p:sp>
+      <p:pic>
+        <p:nvPicPr>
+          <p:cNvPr id="16" name="図 15">
+            <a:extLst>
+              <a:ext uri="{FF2B5EF4-FFF2-40B4-BE49-F238E27FC236}">
+                <a16:creationId xmlns:a16="http://schemas.microsoft.com/office/drawing/2014/main" id="{0CDB81C8-C937-4969-93B0-57B8C0AA7E3B}"/>
+              </a:ext>
+            </a:extLst>
+          </p:cNvPr>
+          <p:cNvPicPr>
+            <a:picLocks noChangeAspect="1"/>
+          </p:cNvPicPr>
+          <p:nvPr/>
+        </p:nvPicPr>
+        <p:blipFill>
+          <a:blip r:embed="rId5"/>
+          <a:stretch>
+            <a:fillRect/>
+          </a:stretch>
+        </p:blipFill>
+        <p:spPr>
+          <a:xfrm>
+            <a:off x="5897621" y="4465597"/>
+            <a:ext cx="3749557" cy="2108271"/>
+          </a:xfrm>
+          <a:prstGeom prst="rect">
+            <a:avLst/>
+          </a:prstGeom>
+        </p:spPr>
+      </p:pic>
+      <p:sp>
+        <p:nvSpPr>
+          <p:cNvPr id="17" name="テキスト ボックス 16">
+            <a:extLst>
+              <a:ext uri="{FF2B5EF4-FFF2-40B4-BE49-F238E27FC236}">
+                <a16:creationId xmlns:a16="http://schemas.microsoft.com/office/drawing/2014/main" id="{6257B8DA-B999-4D6F-ACD5-8B629D1672F0}"/>
+              </a:ext>
+            </a:extLst>
+          </p:cNvPr>
+          <p:cNvSpPr txBox="1"/>
+          <p:nvPr/>
+        </p:nvSpPr>
+        <p:spPr>
+          <a:xfrm>
+            <a:off x="933334" y="1095402"/>
+            <a:ext cx="2878666" cy="369332"/>
+          </a:xfrm>
+          <a:prstGeom prst="rect">
+            <a:avLst/>
+          </a:prstGeom>
+          <a:noFill/>
+        </p:spPr>
+        <p:txBody>
+          <a:bodyPr wrap="square" rtlCol="0">
+            <a:spAutoFit/>
+          </a:bodyPr>
+          <a:lstStyle/>
+          <a:p>
+            <a:r>
+              <a:rPr kumimoji="1" lang="ja-JP" altLang="en-US" dirty="0"/>
+              <a:t>タイトル</a:t>
+            </a:r>
           </a:p>
         </p:txBody>
       </p:sp>

--- a/MonsterCrusher Mod.pptx
+++ b/MonsterCrusher Mod.pptx
@@ -7,8 +7,9 @@
   <p:sldIdLst>
     <p:sldId id="256" r:id="rId2"/>
     <p:sldId id="257" r:id="rId3"/>
-    <p:sldId id="258" r:id="rId4"/>
-    <p:sldId id="259" r:id="rId5"/>
+    <p:sldId id="260" r:id="rId4"/>
+    <p:sldId id="258" r:id="rId5"/>
+    <p:sldId id="259" r:id="rId6"/>
   </p:sldIdLst>
   <p:sldSz cx="12192000" cy="6858000"/>
   <p:notesSz cx="6858000" cy="9144000"/>
@@ -837,7 +838,7 @@
           <a:p>
             <a:fld id="{E11E6BE7-0E31-468E-8699-185C9D497BEB}" type="datetimeFigureOut">
               <a:rPr kumimoji="1" lang="ja-JP" altLang="en-US" smtClean="0"/>
-              <a:t>2024/9/18</a:t>
+              <a:t>2024/9/19</a:t>
             </a:fld>
             <a:endParaRPr kumimoji="1" lang="ja-JP" altLang="en-US"/>
           </a:p>
@@ -1088,7 +1089,7 @@
           <a:p>
             <a:fld id="{E11E6BE7-0E31-468E-8699-185C9D497BEB}" type="datetimeFigureOut">
               <a:rPr kumimoji="1" lang="ja-JP" altLang="en-US" smtClean="0"/>
-              <a:t>2024/9/18</a:t>
+              <a:t>2024/9/19</a:t>
             </a:fld>
             <a:endParaRPr kumimoji="1" lang="ja-JP" altLang="en-US"/>
           </a:p>
@@ -1402,7 +1403,7 @@
           <a:p>
             <a:fld id="{E11E6BE7-0E31-468E-8699-185C9D497BEB}" type="datetimeFigureOut">
               <a:rPr kumimoji="1" lang="ja-JP" altLang="en-US" smtClean="0"/>
-              <a:t>2024/9/18</a:t>
+              <a:t>2024/9/19</a:t>
             </a:fld>
             <a:endParaRPr kumimoji="1" lang="ja-JP" altLang="en-US"/>
           </a:p>
@@ -1743,7 +1744,7 @@
           <a:p>
             <a:fld id="{E11E6BE7-0E31-468E-8699-185C9D497BEB}" type="datetimeFigureOut">
               <a:rPr kumimoji="1" lang="ja-JP" altLang="en-US" smtClean="0"/>
-              <a:t>2024/9/18</a:t>
+              <a:t>2024/9/19</a:t>
             </a:fld>
             <a:endParaRPr kumimoji="1" lang="ja-JP" altLang="en-US"/>
           </a:p>
@@ -2057,7 +2058,7 @@
           <a:p>
             <a:fld id="{E11E6BE7-0E31-468E-8699-185C9D497BEB}" type="datetimeFigureOut">
               <a:rPr kumimoji="1" lang="ja-JP" altLang="en-US" smtClean="0"/>
-              <a:t>2024/9/18</a:t>
+              <a:t>2024/9/19</a:t>
             </a:fld>
             <a:endParaRPr kumimoji="1" lang="ja-JP" altLang="en-US"/>
           </a:p>
@@ -2450,7 +2451,7 @@
           <a:p>
             <a:fld id="{E11E6BE7-0E31-468E-8699-185C9D497BEB}" type="datetimeFigureOut">
               <a:rPr kumimoji="1" lang="ja-JP" altLang="en-US" smtClean="0"/>
-              <a:t>2024/9/18</a:t>
+              <a:t>2024/9/19</a:t>
             </a:fld>
             <a:endParaRPr kumimoji="1" lang="ja-JP" altLang="en-US"/>
           </a:p>
@@ -2652,7 +2653,7 @@
           <a:p>
             <a:fld id="{E11E6BE7-0E31-468E-8699-185C9D497BEB}" type="datetimeFigureOut">
               <a:rPr kumimoji="1" lang="ja-JP" altLang="en-US" smtClean="0"/>
-              <a:t>2024/9/18</a:t>
+              <a:t>2024/9/19</a:t>
             </a:fld>
             <a:endParaRPr kumimoji="1" lang="ja-JP" altLang="en-US"/>
           </a:p>
@@ -2864,7 +2865,7 @@
           <a:p>
             <a:fld id="{E11E6BE7-0E31-468E-8699-185C9D497BEB}" type="datetimeFigureOut">
               <a:rPr kumimoji="1" lang="ja-JP" altLang="en-US" smtClean="0"/>
-              <a:t>2024/9/18</a:t>
+              <a:t>2024/9/19</a:t>
             </a:fld>
             <a:endParaRPr kumimoji="1" lang="ja-JP" altLang="en-US"/>
           </a:p>
@@ -3072,7 +3073,7 @@
           <a:p>
             <a:fld id="{E11E6BE7-0E31-468E-8699-185C9D497BEB}" type="datetimeFigureOut">
               <a:rPr kumimoji="1" lang="ja-JP" altLang="en-US" smtClean="0"/>
-              <a:t>2024/9/18</a:t>
+              <a:t>2024/9/19</a:t>
             </a:fld>
             <a:endParaRPr kumimoji="1" lang="ja-JP" altLang="en-US"/>
           </a:p>
@@ -3319,7 +3320,7 @@
           <a:p>
             <a:fld id="{E11E6BE7-0E31-468E-8699-185C9D497BEB}" type="datetimeFigureOut">
               <a:rPr kumimoji="1" lang="ja-JP" altLang="en-US" smtClean="0"/>
-              <a:t>2024/9/18</a:t>
+              <a:t>2024/9/19</a:t>
             </a:fld>
             <a:endParaRPr kumimoji="1" lang="ja-JP" altLang="en-US"/>
           </a:p>
@@ -3615,7 +3616,7 @@
           <a:p>
             <a:fld id="{E11E6BE7-0E31-468E-8699-185C9D497BEB}" type="datetimeFigureOut">
               <a:rPr kumimoji="1" lang="ja-JP" altLang="en-US" smtClean="0"/>
-              <a:t>2024/9/18</a:t>
+              <a:t>2024/9/19</a:t>
             </a:fld>
             <a:endParaRPr kumimoji="1" lang="ja-JP" altLang="en-US"/>
           </a:p>
@@ -4053,7 +4054,7 @@
           <a:p>
             <a:fld id="{E11E6BE7-0E31-468E-8699-185C9D497BEB}" type="datetimeFigureOut">
               <a:rPr kumimoji="1" lang="ja-JP" altLang="en-US" smtClean="0"/>
-              <a:t>2024/9/18</a:t>
+              <a:t>2024/9/19</a:t>
             </a:fld>
             <a:endParaRPr kumimoji="1" lang="ja-JP" altLang="en-US"/>
           </a:p>
@@ -4176,7 +4177,7 @@
           <a:p>
             <a:fld id="{E11E6BE7-0E31-468E-8699-185C9D497BEB}" type="datetimeFigureOut">
               <a:rPr kumimoji="1" lang="ja-JP" altLang="en-US" smtClean="0"/>
-              <a:t>2024/9/18</a:t>
+              <a:t>2024/9/19</a:t>
             </a:fld>
             <a:endParaRPr kumimoji="1" lang="ja-JP" altLang="en-US"/>
           </a:p>
@@ -4271,7 +4272,7 @@
           <a:p>
             <a:fld id="{E11E6BE7-0E31-468E-8699-185C9D497BEB}" type="datetimeFigureOut">
               <a:rPr kumimoji="1" lang="ja-JP" altLang="en-US" smtClean="0"/>
-              <a:t>2024/9/18</a:t>
+              <a:t>2024/9/19</a:t>
             </a:fld>
             <a:endParaRPr kumimoji="1" lang="ja-JP" altLang="en-US"/>
           </a:p>
@@ -4558,7 +4559,7 @@
           <a:p>
             <a:fld id="{E11E6BE7-0E31-468E-8699-185C9D497BEB}" type="datetimeFigureOut">
               <a:rPr kumimoji="1" lang="ja-JP" altLang="en-US" smtClean="0"/>
-              <a:t>2024/9/18</a:t>
+              <a:t>2024/9/19</a:t>
             </a:fld>
             <a:endParaRPr kumimoji="1" lang="ja-JP" altLang="en-US"/>
           </a:p>
@@ -4821,7 +4822,7 @@
           <a:p>
             <a:fld id="{E11E6BE7-0E31-468E-8699-185C9D497BEB}" type="datetimeFigureOut">
               <a:rPr kumimoji="1" lang="ja-JP" altLang="en-US" smtClean="0"/>
-              <a:t>2024/9/18</a:t>
+              <a:t>2024/9/19</a:t>
             </a:fld>
             <a:endParaRPr kumimoji="1" lang="ja-JP" altLang="en-US"/>
           </a:p>
@@ -5596,7 +5597,7 @@
           <a:p>
             <a:fld id="{E11E6BE7-0E31-468E-8699-185C9D497BEB}" type="datetimeFigureOut">
               <a:rPr kumimoji="1" lang="ja-JP" altLang="en-US" smtClean="0"/>
-              <a:t>2024/9/18</a:t>
+              <a:t>2024/9/19</a:t>
             </a:fld>
             <a:endParaRPr kumimoji="1" lang="ja-JP" altLang="en-US"/>
           </a:p>
@@ -6138,7 +6139,7 @@
         </p:nvSpPr>
         <p:spPr>
           <a:xfrm>
-            <a:off x="-67734" y="296333"/>
+            <a:off x="-67734" y="677333"/>
             <a:ext cx="9144000" cy="842963"/>
           </a:xfrm>
         </p:spPr>
@@ -6184,8 +6185,8 @@
         </p:nvSpPr>
         <p:spPr>
           <a:xfrm>
-            <a:off x="4504266" y="1833561"/>
-            <a:ext cx="2768600" cy="3889905"/>
+            <a:off x="3327400" y="1952095"/>
+            <a:ext cx="2768600" cy="3102506"/>
           </a:xfrm>
         </p:spPr>
         <p:txBody>
@@ -6302,7 +6303,113 @@
             </a:endParaRPr>
           </a:p>
           <a:p>
+            <a:pPr algn="l"/>
+            <a:r>
+              <a:rPr kumimoji="1" lang="ja-JP" altLang="en-US" dirty="0">
+                <a:solidFill>
+                  <a:schemeClr val="tx1"/>
+                </a:solidFill>
+                <a:latin typeface="+mn-ea"/>
+              </a:rPr>
+              <a:t>■使用ライブラリ</a:t>
+            </a:r>
             <a:endParaRPr kumimoji="1" lang="en-US" altLang="ja-JP" dirty="0">
+              <a:solidFill>
+                <a:schemeClr val="tx1"/>
+              </a:solidFill>
+              <a:latin typeface="+mn-ea"/>
+            </a:endParaRPr>
+          </a:p>
+          <a:p>
+            <a:pPr algn="l"/>
+            <a:r>
+              <a:rPr kumimoji="1" lang="ja-JP" altLang="en-US" dirty="0">
+                <a:solidFill>
+                  <a:schemeClr val="tx1"/>
+                </a:solidFill>
+                <a:latin typeface="+mn-ea"/>
+              </a:rPr>
+              <a:t>・</a:t>
+            </a:r>
+            <a:r>
+              <a:rPr kumimoji="1" lang="en-US" altLang="ja-JP" dirty="0">
+                <a:solidFill>
+                  <a:schemeClr val="tx1"/>
+                </a:solidFill>
+                <a:latin typeface="+mn-ea"/>
+              </a:rPr>
+              <a:t>C++/</a:t>
+            </a:r>
+            <a:r>
+              <a:rPr kumimoji="1" lang="en-US" altLang="ja-JP" dirty="0" err="1">
+                <a:solidFill>
+                  <a:schemeClr val="tx1"/>
+                </a:solidFill>
+                <a:latin typeface="+mn-ea"/>
+              </a:rPr>
+              <a:t>DxLib</a:t>
+            </a:r>
+            <a:endParaRPr kumimoji="1" lang="en-US" altLang="ja-JP" dirty="0">
+              <a:solidFill>
+                <a:schemeClr val="tx1"/>
+              </a:solidFill>
+              <a:latin typeface="+mn-ea"/>
+            </a:endParaRPr>
+          </a:p>
+          <a:p>
+            <a:pPr algn="l"/>
+            <a:r>
+              <a:rPr lang="ja-JP" altLang="en-US" dirty="0">
+                <a:solidFill>
+                  <a:schemeClr val="tx1"/>
+                </a:solidFill>
+                <a:latin typeface="+mn-ea"/>
+              </a:rPr>
+              <a:t>■開発期間</a:t>
+            </a:r>
+            <a:endParaRPr lang="en-US" altLang="ja-JP" dirty="0">
+              <a:solidFill>
+                <a:schemeClr val="tx1"/>
+              </a:solidFill>
+              <a:latin typeface="+mn-ea"/>
+            </a:endParaRPr>
+          </a:p>
+          <a:p>
+            <a:pPr algn="l"/>
+            <a:r>
+              <a:rPr lang="en-US" altLang="ja-JP" dirty="0">
+                <a:solidFill>
+                  <a:schemeClr val="tx1"/>
+                </a:solidFill>
+                <a:latin typeface="+mn-ea"/>
+              </a:rPr>
+              <a:t>9/24</a:t>
+            </a:r>
+            <a:r>
+              <a:rPr lang="ja-JP" altLang="en-US" dirty="0">
+                <a:solidFill>
+                  <a:schemeClr val="tx1"/>
+                </a:solidFill>
+                <a:latin typeface="+mn-ea"/>
+              </a:rPr>
+              <a:t>～</a:t>
+            </a:r>
+            <a:r>
+              <a:rPr lang="en-US" altLang="ja-JP" dirty="0">
+                <a:solidFill>
+                  <a:schemeClr val="tx1"/>
+                </a:solidFill>
+                <a:latin typeface="+mn-ea"/>
+              </a:rPr>
+              <a:t>12/20</a:t>
+            </a:r>
+          </a:p>
+          <a:p>
+            <a:pPr algn="l"/>
+            <a:endParaRPr kumimoji="1" lang="en-US" altLang="ja-JP" dirty="0">
+              <a:solidFill>
+                <a:schemeClr val="tx1"/>
+              </a:solidFill>
               <a:latin typeface="+mn-ea"/>
             </a:endParaRPr>
           </a:p>
@@ -6400,16 +6507,18 @@
         <p:spPr>
           <a:xfrm>
             <a:off x="745068" y="1422400"/>
-            <a:ext cx="8596668" cy="3880773"/>
+            <a:ext cx="8596668" cy="2006600"/>
           </a:xfrm>
         </p:spPr>
         <p:txBody>
-          <a:bodyPr/>
+          <a:bodyPr>
+            <a:normAutofit/>
+          </a:bodyPr>
           <a:lstStyle/>
           <a:p>
             <a:r>
               <a:rPr lang="ja-JP" altLang="en-US" dirty="0"/>
-              <a:t>アクションゲームが苦手な人でも遊びやすい難易度</a:t>
+              <a:t>アクションゲームが苦手な人でも遊びやすいゲーム</a:t>
             </a:r>
             <a:endParaRPr lang="en-US" altLang="ja-JP" dirty="0"/>
           </a:p>
@@ -6430,11 +6539,416 @@
             </a:r>
             <a:r>
               <a:rPr lang="ja-JP" altLang="en-US" dirty="0"/>
-              <a:t>で、指摘された部分を改善し、面白さを追加した作品</a:t>
+              <a:t>で、指摘された部分を改善し、機能をいろいろ</a:t>
+            </a:r>
+            <a:br>
+              <a:rPr lang="en-US" altLang="ja-JP" dirty="0"/>
+            </a:br>
+            <a:r>
+              <a:rPr lang="ja-JP" altLang="en-US" dirty="0"/>
+              <a:t>追加</a:t>
+            </a:r>
+            <a:r>
+              <a:rPr lang="ja-JP" altLang="en-US"/>
+              <a:t>した作品</a:t>
             </a:r>
             <a:endParaRPr lang="en-US" altLang="ja-JP" dirty="0"/>
           </a:p>
           <a:p>
+            <a:endParaRPr lang="en-US" altLang="ja-JP" dirty="0"/>
+          </a:p>
+        </p:txBody>
+      </p:sp>
+      <p:sp>
+        <p:nvSpPr>
+          <p:cNvPr id="4" name="タイトル 1">
+            <a:extLst>
+              <a:ext uri="{FF2B5EF4-FFF2-40B4-BE49-F238E27FC236}">
+                <a16:creationId xmlns:a16="http://schemas.microsoft.com/office/drawing/2014/main" id="{E4CBA98A-FD1C-4CC2-A2A2-92F4CD4FD438}"/>
+              </a:ext>
+            </a:extLst>
+          </p:cNvPr>
+          <p:cNvSpPr txBox="1">
+            <a:spLocks/>
+          </p:cNvSpPr>
+          <p:nvPr/>
+        </p:nvSpPr>
+        <p:spPr>
+          <a:xfrm>
+            <a:off x="745068" y="3598334"/>
+            <a:ext cx="8596668" cy="812800"/>
+          </a:xfrm>
+          <a:prstGeom prst="rect">
+            <a:avLst/>
+          </a:prstGeom>
+        </p:spPr>
+        <p:txBody>
+          <a:bodyPr vert="horz" lIns="91440" tIns="45720" rIns="91440" bIns="45720" rtlCol="0" anchor="t">
+            <a:normAutofit/>
+          </a:bodyPr>
+          <a:lstStyle>
+            <a:lvl1pPr algn="l" defTabSz="457200" rtl="0" eaLnBrk="1" latinLnBrk="0" hangingPunct="1">
+              <a:spcBef>
+                <a:spcPct val="0"/>
+              </a:spcBef>
+              <a:buNone/>
+              <a:defRPr kumimoji="1" sz="3600" kern="1200">
+                <a:solidFill>
+                  <a:schemeClr val="accent1"/>
+                </a:solidFill>
+                <a:latin typeface="+mj-lt"/>
+                <a:ea typeface="+mj-ea"/>
+                <a:cs typeface="+mj-cs"/>
+              </a:defRPr>
+            </a:lvl1pPr>
+            <a:lvl2pPr eaLnBrk="1" hangingPunct="1">
+              <a:defRPr kumimoji="1">
+                <a:solidFill>
+                  <a:schemeClr val="tx2"/>
+                </a:solidFill>
+              </a:defRPr>
+            </a:lvl2pPr>
+            <a:lvl3pPr eaLnBrk="1" hangingPunct="1">
+              <a:defRPr kumimoji="1">
+                <a:solidFill>
+                  <a:schemeClr val="tx2"/>
+                </a:solidFill>
+              </a:defRPr>
+            </a:lvl3pPr>
+            <a:lvl4pPr eaLnBrk="1" hangingPunct="1">
+              <a:defRPr kumimoji="1">
+                <a:solidFill>
+                  <a:schemeClr val="tx2"/>
+                </a:solidFill>
+              </a:defRPr>
+            </a:lvl4pPr>
+            <a:lvl5pPr eaLnBrk="1" hangingPunct="1">
+              <a:defRPr kumimoji="1">
+                <a:solidFill>
+                  <a:schemeClr val="tx2"/>
+                </a:solidFill>
+              </a:defRPr>
+            </a:lvl5pPr>
+            <a:lvl6pPr eaLnBrk="1" hangingPunct="1">
+              <a:defRPr kumimoji="1">
+                <a:solidFill>
+                  <a:schemeClr val="tx2"/>
+                </a:solidFill>
+              </a:defRPr>
+            </a:lvl6pPr>
+            <a:lvl7pPr eaLnBrk="1" hangingPunct="1">
+              <a:defRPr kumimoji="1">
+                <a:solidFill>
+                  <a:schemeClr val="tx2"/>
+                </a:solidFill>
+              </a:defRPr>
+            </a:lvl7pPr>
+            <a:lvl8pPr eaLnBrk="1" hangingPunct="1">
+              <a:defRPr kumimoji="1">
+                <a:solidFill>
+                  <a:schemeClr val="tx2"/>
+                </a:solidFill>
+              </a:defRPr>
+            </a:lvl8pPr>
+            <a:lvl9pPr eaLnBrk="1" hangingPunct="1">
+              <a:defRPr kumimoji="1">
+                <a:solidFill>
+                  <a:schemeClr val="tx2"/>
+                </a:solidFill>
+              </a:defRPr>
+            </a:lvl9pPr>
+          </a:lstStyle>
+          <a:p>
+            <a:r>
+              <a:rPr lang="ja-JP" altLang="en-US" dirty="0"/>
+              <a:t>挑戦すること</a:t>
+            </a:r>
+            <a:endParaRPr lang="en-US" altLang="ja-JP" dirty="0"/>
+          </a:p>
+        </p:txBody>
+      </p:sp>
+      <p:sp>
+        <p:nvSpPr>
+          <p:cNvPr id="5" name="コンテンツ プレースホルダー 2">
+            <a:extLst>
+              <a:ext uri="{FF2B5EF4-FFF2-40B4-BE49-F238E27FC236}">
+                <a16:creationId xmlns:a16="http://schemas.microsoft.com/office/drawing/2014/main" id="{A620028C-EAF1-45D1-9A51-206672895950}"/>
+              </a:ext>
+            </a:extLst>
+          </p:cNvPr>
+          <p:cNvSpPr txBox="1">
+            <a:spLocks/>
+          </p:cNvSpPr>
+          <p:nvPr/>
+        </p:nvSpPr>
+        <p:spPr>
+          <a:xfrm>
+            <a:off x="677334" y="4411134"/>
+            <a:ext cx="8596668" cy="2027764"/>
+          </a:xfrm>
+          <a:prstGeom prst="rect">
+            <a:avLst/>
+          </a:prstGeom>
+        </p:spPr>
+        <p:txBody>
+          <a:bodyPr vert="horz" lIns="91440" tIns="45720" rIns="91440" bIns="45720" rtlCol="0">
+            <a:normAutofit/>
+          </a:bodyPr>
+          <a:lstStyle>
+            <a:lvl1pPr marL="342900" indent="-342900" algn="l" defTabSz="457200" rtl="0" eaLnBrk="1" latinLnBrk="0" hangingPunct="1">
+              <a:spcBef>
+                <a:spcPts val="1000"/>
+              </a:spcBef>
+              <a:spcAft>
+                <a:spcPts val="0"/>
+              </a:spcAft>
+              <a:buClr>
+                <a:schemeClr val="accent1"/>
+              </a:buClr>
+              <a:buSzPct val="80000"/>
+              <a:buFont typeface="Wingdings 3" charset="2"/>
+              <a:buChar char=""/>
+              <a:defRPr kumimoji="1" sz="1800" kern="1200">
+                <a:solidFill>
+                  <a:schemeClr val="tx1">
+                    <a:lumMod val="75000"/>
+                    <a:lumOff val="25000"/>
+                  </a:schemeClr>
+                </a:solidFill>
+                <a:latin typeface="+mn-lt"/>
+                <a:ea typeface="+mn-ea"/>
+                <a:cs typeface="+mn-cs"/>
+              </a:defRPr>
+            </a:lvl1pPr>
+            <a:lvl2pPr marL="742950" indent="-285750" algn="l" defTabSz="457200" rtl="0" eaLnBrk="1" latinLnBrk="0" hangingPunct="1">
+              <a:spcBef>
+                <a:spcPts val="1000"/>
+              </a:spcBef>
+              <a:spcAft>
+                <a:spcPts val="0"/>
+              </a:spcAft>
+              <a:buClr>
+                <a:schemeClr val="accent1"/>
+              </a:buClr>
+              <a:buSzPct val="80000"/>
+              <a:buFont typeface="Wingdings 3" charset="2"/>
+              <a:buChar char=""/>
+              <a:defRPr kumimoji="1" sz="1600" kern="1200">
+                <a:solidFill>
+                  <a:schemeClr val="tx1">
+                    <a:lumMod val="75000"/>
+                    <a:lumOff val="25000"/>
+                  </a:schemeClr>
+                </a:solidFill>
+                <a:latin typeface="+mn-lt"/>
+                <a:ea typeface="+mn-ea"/>
+                <a:cs typeface="+mn-cs"/>
+              </a:defRPr>
+            </a:lvl2pPr>
+            <a:lvl3pPr marL="1143000" indent="-228600" algn="l" defTabSz="457200" rtl="0" eaLnBrk="1" latinLnBrk="0" hangingPunct="1">
+              <a:spcBef>
+                <a:spcPts val="1000"/>
+              </a:spcBef>
+              <a:spcAft>
+                <a:spcPts val="0"/>
+              </a:spcAft>
+              <a:buClr>
+                <a:schemeClr val="accent1"/>
+              </a:buClr>
+              <a:buSzPct val="80000"/>
+              <a:buFont typeface="Wingdings 3" charset="2"/>
+              <a:buChar char=""/>
+              <a:defRPr kumimoji="1" sz="1400" kern="1200">
+                <a:solidFill>
+                  <a:schemeClr val="tx1">
+                    <a:lumMod val="75000"/>
+                    <a:lumOff val="25000"/>
+                  </a:schemeClr>
+                </a:solidFill>
+                <a:latin typeface="+mn-lt"/>
+                <a:ea typeface="+mn-ea"/>
+                <a:cs typeface="+mn-cs"/>
+              </a:defRPr>
+            </a:lvl3pPr>
+            <a:lvl4pPr marL="1600200" indent="-228600" algn="l" defTabSz="457200" rtl="0" eaLnBrk="1" latinLnBrk="0" hangingPunct="1">
+              <a:spcBef>
+                <a:spcPts val="1000"/>
+              </a:spcBef>
+              <a:spcAft>
+                <a:spcPts val="0"/>
+              </a:spcAft>
+              <a:buClr>
+                <a:schemeClr val="accent1"/>
+              </a:buClr>
+              <a:buSzPct val="80000"/>
+              <a:buFont typeface="Wingdings 3" charset="2"/>
+              <a:buChar char=""/>
+              <a:defRPr kumimoji="1" sz="1200" kern="1200">
+                <a:solidFill>
+                  <a:schemeClr val="tx1">
+                    <a:lumMod val="75000"/>
+                    <a:lumOff val="25000"/>
+                  </a:schemeClr>
+                </a:solidFill>
+                <a:latin typeface="+mn-lt"/>
+                <a:ea typeface="+mn-ea"/>
+                <a:cs typeface="+mn-cs"/>
+              </a:defRPr>
+            </a:lvl4pPr>
+            <a:lvl5pPr marL="2057400" indent="-228600" algn="l" defTabSz="457200" rtl="0" eaLnBrk="1" latinLnBrk="0" hangingPunct="1">
+              <a:spcBef>
+                <a:spcPts val="1000"/>
+              </a:spcBef>
+              <a:spcAft>
+                <a:spcPts val="0"/>
+              </a:spcAft>
+              <a:buClr>
+                <a:schemeClr val="accent1"/>
+              </a:buClr>
+              <a:buSzPct val="80000"/>
+              <a:buFont typeface="Wingdings 3" charset="2"/>
+              <a:buChar char=""/>
+              <a:defRPr kumimoji="1" sz="1200" kern="1200">
+                <a:solidFill>
+                  <a:schemeClr val="tx1">
+                    <a:lumMod val="75000"/>
+                    <a:lumOff val="25000"/>
+                  </a:schemeClr>
+                </a:solidFill>
+                <a:latin typeface="+mn-lt"/>
+                <a:ea typeface="+mn-ea"/>
+                <a:cs typeface="+mn-cs"/>
+              </a:defRPr>
+            </a:lvl5pPr>
+            <a:lvl6pPr marL="2514600" indent="-228600" algn="l" defTabSz="457200" rtl="0" eaLnBrk="1" latinLnBrk="0" hangingPunct="1">
+              <a:spcBef>
+                <a:spcPts val="1000"/>
+              </a:spcBef>
+              <a:spcAft>
+                <a:spcPts val="0"/>
+              </a:spcAft>
+              <a:buClr>
+                <a:schemeClr val="accent1"/>
+              </a:buClr>
+              <a:buSzPct val="80000"/>
+              <a:buFont typeface="Wingdings 3" charset="2"/>
+              <a:buChar char=""/>
+              <a:defRPr kumimoji="1" sz="1200" kern="1200">
+                <a:solidFill>
+                  <a:schemeClr val="tx1">
+                    <a:lumMod val="75000"/>
+                    <a:lumOff val="25000"/>
+                  </a:schemeClr>
+                </a:solidFill>
+                <a:latin typeface="+mn-lt"/>
+                <a:ea typeface="+mn-ea"/>
+                <a:cs typeface="+mn-cs"/>
+              </a:defRPr>
+            </a:lvl6pPr>
+            <a:lvl7pPr marL="2971800" indent="-228600" algn="l" defTabSz="457200" rtl="0" eaLnBrk="1" latinLnBrk="0" hangingPunct="1">
+              <a:spcBef>
+                <a:spcPts val="1000"/>
+              </a:spcBef>
+              <a:spcAft>
+                <a:spcPts val="0"/>
+              </a:spcAft>
+              <a:buClr>
+                <a:schemeClr val="accent1"/>
+              </a:buClr>
+              <a:buSzPct val="80000"/>
+              <a:buFont typeface="Wingdings 3" charset="2"/>
+              <a:buChar char=""/>
+              <a:defRPr kumimoji="1" sz="1200" kern="1200">
+                <a:solidFill>
+                  <a:schemeClr val="tx1">
+                    <a:lumMod val="75000"/>
+                    <a:lumOff val="25000"/>
+                  </a:schemeClr>
+                </a:solidFill>
+                <a:latin typeface="+mn-lt"/>
+                <a:ea typeface="+mn-ea"/>
+                <a:cs typeface="+mn-cs"/>
+              </a:defRPr>
+            </a:lvl7pPr>
+            <a:lvl8pPr marL="3429000" indent="-228600" algn="l" defTabSz="457200" rtl="0" eaLnBrk="1" latinLnBrk="0" hangingPunct="1">
+              <a:spcBef>
+                <a:spcPts val="1000"/>
+              </a:spcBef>
+              <a:spcAft>
+                <a:spcPts val="0"/>
+              </a:spcAft>
+              <a:buClr>
+                <a:schemeClr val="accent1"/>
+              </a:buClr>
+              <a:buSzPct val="80000"/>
+              <a:buFont typeface="Wingdings 3" charset="2"/>
+              <a:buChar char=""/>
+              <a:defRPr kumimoji="1" sz="1200" kern="1200">
+                <a:solidFill>
+                  <a:schemeClr val="tx1">
+                    <a:lumMod val="75000"/>
+                    <a:lumOff val="25000"/>
+                  </a:schemeClr>
+                </a:solidFill>
+                <a:latin typeface="+mn-lt"/>
+                <a:ea typeface="+mn-ea"/>
+                <a:cs typeface="+mn-cs"/>
+              </a:defRPr>
+            </a:lvl8pPr>
+            <a:lvl9pPr marL="3886200" indent="-228600" algn="l" defTabSz="457200" rtl="0" eaLnBrk="1" latinLnBrk="0" hangingPunct="1">
+              <a:spcBef>
+                <a:spcPts val="1000"/>
+              </a:spcBef>
+              <a:spcAft>
+                <a:spcPts val="0"/>
+              </a:spcAft>
+              <a:buClr>
+                <a:schemeClr val="accent1"/>
+              </a:buClr>
+              <a:buSzPct val="80000"/>
+              <a:buFont typeface="Wingdings 3" charset="2"/>
+              <a:buChar char=""/>
+              <a:defRPr kumimoji="1" sz="1200" kern="1200">
+                <a:solidFill>
+                  <a:schemeClr val="tx1">
+                    <a:lumMod val="75000"/>
+                    <a:lumOff val="25000"/>
+                  </a:schemeClr>
+                </a:solidFill>
+                <a:latin typeface="+mn-lt"/>
+                <a:ea typeface="+mn-ea"/>
+                <a:cs typeface="+mn-cs"/>
+              </a:defRPr>
+            </a:lvl9pPr>
+          </a:lstStyle>
+          <a:p>
+            <a:r>
+              <a:rPr lang="ja-JP" altLang="en-US" dirty="0"/>
+              <a:t>外部ファイル</a:t>
+            </a:r>
+            <a:endParaRPr lang="en-US" altLang="ja-JP" dirty="0"/>
+          </a:p>
+          <a:p>
+            <a:endParaRPr lang="en-US" altLang="ja-JP" dirty="0"/>
+          </a:p>
+          <a:p>
+            <a:r>
+              <a:rPr lang="ja-JP" altLang="en-US" dirty="0"/>
+              <a:t>簡単な敵</a:t>
+            </a:r>
+            <a:r>
+              <a:rPr lang="en-US" altLang="ja-JP" dirty="0"/>
+              <a:t>AI</a:t>
+            </a:r>
+          </a:p>
+          <a:p>
+            <a:endParaRPr lang="en-US" altLang="ja-JP" dirty="0"/>
+          </a:p>
+          <a:p>
+            <a:r>
+              <a:rPr lang="ja-JP" altLang="en-US" dirty="0"/>
+              <a:t>もっと細かくクラスを分ける</a:t>
+            </a:r>
             <a:endParaRPr lang="en-US" altLang="ja-JP" dirty="0"/>
           </a:p>
           <a:p>
@@ -6478,113 +6992,42 @@
           <a:chExt cx="0" cy="0"/>
         </a:xfrm>
       </p:grpSpPr>
-      <p:sp>
-        <p:nvSpPr>
-          <p:cNvPr id="2" name="タイトル 1">
+      <p:pic>
+        <p:nvPicPr>
+          <p:cNvPr id="2" name="図 1">
             <a:extLst>
               <a:ext uri="{FF2B5EF4-FFF2-40B4-BE49-F238E27FC236}">
-                <a16:creationId xmlns:a16="http://schemas.microsoft.com/office/drawing/2014/main" id="{0208EB9F-4977-4576-AC5D-A591485749A1}"/>
+                <a16:creationId xmlns:a16="http://schemas.microsoft.com/office/drawing/2014/main" id="{D3A8BD96-3D3F-47D4-AD4F-FA7942F44146}"/>
               </a:ext>
             </a:extLst>
           </p:cNvPr>
-          <p:cNvSpPr>
-            <a:spLocks noGrp="1"/>
-          </p:cNvSpPr>
-          <p:nvPr>
-            <p:ph type="title"/>
-          </p:nvPr>
-        </p:nvSpPr>
+          <p:cNvPicPr>
+            <a:picLocks noChangeAspect="1"/>
+          </p:cNvPicPr>
+          <p:nvPr/>
+        </p:nvPicPr>
+        <p:blipFill>
+          <a:blip r:embed="rId2"/>
+          <a:stretch>
+            <a:fillRect/>
+          </a:stretch>
+        </p:blipFill>
         <p:spPr>
           <a:xfrm>
-            <a:off x="677334" y="609600"/>
-            <a:ext cx="8596668" cy="719667"/>
+            <a:off x="7205133" y="1794932"/>
+            <a:ext cx="4966684" cy="2934475"/>
           </a:xfrm>
+          <a:prstGeom prst="rect">
+            <a:avLst/>
+          </a:prstGeom>
         </p:spPr>
-        <p:txBody>
-          <a:bodyPr/>
-          <a:lstStyle/>
-          <a:p>
-            <a:r>
-              <a:rPr kumimoji="1" lang="ja-JP" altLang="en-US" dirty="0"/>
-              <a:t>ゲーム内容</a:t>
-            </a:r>
-          </a:p>
-        </p:txBody>
-      </p:sp>
-      <p:sp>
-        <p:nvSpPr>
-          <p:cNvPr id="3" name="コンテンツ プレースホルダー 2">
+      </p:pic>
+      <p:sp>
+        <p:nvSpPr>
+          <p:cNvPr id="3" name="タイトル 1">
             <a:extLst>
               <a:ext uri="{FF2B5EF4-FFF2-40B4-BE49-F238E27FC236}">
-                <a16:creationId xmlns:a16="http://schemas.microsoft.com/office/drawing/2014/main" id="{EF819DF9-1A46-4A8D-BFC9-B6B5DC8AD1EA}"/>
-              </a:ext>
-            </a:extLst>
-          </p:cNvPr>
-          <p:cNvSpPr>
-            <a:spLocks noGrp="1"/>
-          </p:cNvSpPr>
-          <p:nvPr>
-            <p:ph idx="1"/>
-          </p:nvPr>
-        </p:nvSpPr>
-        <p:spPr>
-          <a:xfrm>
-            <a:off x="677334" y="1220789"/>
-            <a:ext cx="8596668" cy="1979611"/>
-          </a:xfrm>
-        </p:spPr>
-        <p:txBody>
-          <a:bodyPr/>
-          <a:lstStyle/>
-          <a:p>
-            <a:r>
-              <a:rPr kumimoji="1" lang="ja-JP" altLang="en-US" dirty="0"/>
-              <a:t>一定数の敵を倒すとマップの先に進める</a:t>
-            </a:r>
-            <a:endParaRPr kumimoji="1" lang="en-US" altLang="ja-JP" dirty="0"/>
-          </a:p>
-          <a:p>
-            <a:endParaRPr lang="en-US" altLang="ja-JP" dirty="0"/>
-          </a:p>
-          <a:p>
-            <a:r>
-              <a:rPr kumimoji="1" lang="ja-JP" altLang="en-US" dirty="0"/>
-              <a:t>最初はモブしか出ないが、最後はボス</a:t>
-            </a:r>
-            <a:r>
-              <a:rPr lang="ja-JP" altLang="en-US" dirty="0"/>
-              <a:t>が</a:t>
-            </a:r>
-            <a:r>
-              <a:rPr kumimoji="1" lang="ja-JP" altLang="en-US" dirty="0"/>
-              <a:t>出現</a:t>
-            </a:r>
-            <a:endParaRPr kumimoji="1" lang="en-US" altLang="ja-JP" dirty="0"/>
-          </a:p>
-          <a:p>
-            <a:endParaRPr lang="en-US" altLang="ja-JP" dirty="0"/>
-          </a:p>
-          <a:p>
-            <a:r>
-              <a:rPr kumimoji="1" lang="ja-JP" altLang="en-US" dirty="0"/>
-              <a:t>最後のボスを倒すと、次のステージが出現</a:t>
-            </a:r>
-            <a:endParaRPr kumimoji="1" lang="en-US" altLang="ja-JP" dirty="0"/>
-          </a:p>
-          <a:p>
-            <a:endParaRPr kumimoji="1" lang="en-US" altLang="ja-JP" dirty="0"/>
-          </a:p>
-          <a:p>
-            <a:endParaRPr kumimoji="1" lang="ja-JP" altLang="en-US" dirty="0"/>
-          </a:p>
-        </p:txBody>
-      </p:sp>
-      <p:sp>
-        <p:nvSpPr>
-          <p:cNvPr id="4" name="タイトル 1">
-            <a:extLst>
-              <a:ext uri="{FF2B5EF4-FFF2-40B4-BE49-F238E27FC236}">
-                <a16:creationId xmlns:a16="http://schemas.microsoft.com/office/drawing/2014/main" id="{319D459C-C0E1-458D-852A-30C955F5D97F}"/>
+                <a16:creationId xmlns:a16="http://schemas.microsoft.com/office/drawing/2014/main" id="{A1BC2B5E-7BC2-49D4-948D-6D3878F520AC}"/>
               </a:ext>
             </a:extLst>
           </p:cNvPr>
@@ -6595,7 +7038,7 @@
         </p:nvSpPr>
         <p:spPr>
           <a:xfrm>
-            <a:off x="677334" y="3581400"/>
+            <a:off x="635002" y="314854"/>
             <a:ext cx="8596668" cy="719667"/>
           </a:xfrm>
           <a:prstGeom prst="rect">
@@ -6603,9 +7046,7 @@
           </a:prstGeom>
         </p:spPr>
         <p:txBody>
-          <a:bodyPr vert="horz" lIns="91440" tIns="45720" rIns="91440" bIns="45720" rtlCol="0" anchor="t">
-            <a:normAutofit/>
-          </a:bodyPr>
+          <a:bodyPr/>
           <a:lstStyle>
             <a:lvl1pPr algn="l" defTabSz="457200" rtl="0" eaLnBrk="1" latinLnBrk="0" hangingPunct="1">
               <a:spcBef>
@@ -6681,21 +7122,17 @@
           <a:p>
             <a:r>
               <a:rPr lang="ja-JP" altLang="en-US" dirty="0"/>
-              <a:t>仕様</a:t>
-            </a:r>
-            <a:endParaRPr lang="en-US" altLang="ja-JP" dirty="0"/>
-          </a:p>
-          <a:p>
-            <a:endParaRPr lang="ja-JP" altLang="en-US" dirty="0"/>
-          </a:p>
-        </p:txBody>
-      </p:sp>
-      <p:sp>
-        <p:nvSpPr>
-          <p:cNvPr id="5" name="コンテンツ プレースホルダー 2">
+              <a:t>ゲーム内容</a:t>
+            </a:r>
+          </a:p>
+        </p:txBody>
+      </p:sp>
+      <p:sp>
+        <p:nvSpPr>
+          <p:cNvPr id="4" name="コンテンツ プレースホルダー 2">
             <a:extLst>
               <a:ext uri="{FF2B5EF4-FFF2-40B4-BE49-F238E27FC236}">
-                <a16:creationId xmlns:a16="http://schemas.microsoft.com/office/drawing/2014/main" id="{961B1E6A-91D5-42C7-847D-EF908CA4E265}"/>
+                <a16:creationId xmlns:a16="http://schemas.microsoft.com/office/drawing/2014/main" id="{7BB93E0A-1001-41DE-AD06-68D32A72C687}"/>
               </a:ext>
             </a:extLst>
           </p:cNvPr>
@@ -6706,17 +7143,15 @@
         </p:nvSpPr>
         <p:spPr>
           <a:xfrm>
-            <a:off x="677334" y="4301067"/>
-            <a:ext cx="8596668" cy="1979611"/>
+            <a:off x="635002" y="865188"/>
+            <a:ext cx="6570131" cy="3461280"/>
           </a:xfrm>
           <a:prstGeom prst="rect">
             <a:avLst/>
           </a:prstGeom>
         </p:spPr>
         <p:txBody>
-          <a:bodyPr vert="horz" lIns="91440" tIns="45720" rIns="91440" bIns="45720" rtlCol="0">
-            <a:normAutofit/>
-          </a:bodyPr>
+          <a:bodyPr/>
           <a:lstStyle>
             <a:lvl1pPr marL="342900" indent="-342900" algn="l" defTabSz="457200" rtl="0" eaLnBrk="1" latinLnBrk="0" hangingPunct="1">
               <a:spcBef>
@@ -6947,7 +7382,22 @@
           <a:p>
             <a:r>
               <a:rPr lang="ja-JP" altLang="en-US" dirty="0"/>
-              <a:t>プレイヤーは攻撃や魔法攻撃ができます。</a:t>
+              <a:t>一定数の敵を倒すとマップの先に進める</a:t>
+            </a:r>
+            <a:br>
+              <a:rPr lang="en-US" altLang="ja-JP" dirty="0"/>
+            </a:br>
+            <a:r>
+              <a:rPr lang="ja-JP" altLang="en-US" dirty="0"/>
+              <a:t>　合計</a:t>
+            </a:r>
+            <a:r>
+              <a:rPr lang="en-US" altLang="ja-JP" dirty="0"/>
+              <a:t>4Wave</a:t>
+            </a:r>
+            <a:r>
+              <a:rPr lang="ja-JP" altLang="en-US" dirty="0"/>
+              <a:t>ある。</a:t>
             </a:r>
             <a:endParaRPr lang="en-US" altLang="ja-JP" dirty="0"/>
           </a:p>
@@ -6957,7 +7407,30 @@
           <a:p>
             <a:r>
               <a:rPr lang="ja-JP" altLang="en-US" dirty="0"/>
-              <a:t>敵のモブはプレイヤーに近づいて、攻撃を行う</a:t>
+              <a:t>最初の</a:t>
+            </a:r>
+            <a:r>
+              <a:rPr lang="en-US" altLang="ja-JP" dirty="0"/>
+              <a:t>Wave</a:t>
+            </a:r>
+            <a:r>
+              <a:rPr lang="ja-JP" altLang="en-US" dirty="0"/>
+              <a:t>はモブしか出ないが、</a:t>
+            </a:r>
+            <a:br>
+              <a:rPr lang="en-US" altLang="ja-JP" dirty="0"/>
+            </a:br>
+            <a:r>
+              <a:rPr lang="ja-JP" altLang="en-US" dirty="0"/>
+              <a:t>最終</a:t>
+            </a:r>
+            <a:r>
+              <a:rPr lang="en-US" altLang="ja-JP" dirty="0"/>
+              <a:t>Wave</a:t>
+            </a:r>
+            <a:r>
+              <a:rPr lang="ja-JP" altLang="en-US" dirty="0"/>
+              <a:t>はボスが出現</a:t>
             </a:r>
             <a:endParaRPr lang="en-US" altLang="ja-JP" dirty="0"/>
           </a:p>
@@ -6967,19 +7440,83 @@
           <a:p>
             <a:r>
               <a:rPr lang="ja-JP" altLang="en-US" dirty="0"/>
-              <a:t>ボスは、様々な攻撃を行う</a:t>
+              <a:t>最後のボスを倒すと、次のステージが出現</a:t>
             </a:r>
             <a:endParaRPr lang="en-US" altLang="ja-JP" dirty="0"/>
           </a:p>
           <a:p>
+            <a:pPr marL="0" indent="0">
+              <a:buNone/>
+            </a:pPr>
+            <a:endParaRPr lang="en-US" altLang="ja-JP" dirty="0"/>
+          </a:p>
+          <a:p>
+            <a:r>
+              <a:rPr lang="ja-JP" altLang="en-US" dirty="0"/>
+              <a:t>ステージをクリアするとステータスを上げることができる</a:t>
+            </a:r>
+            <a:endParaRPr lang="en-US" altLang="ja-JP" dirty="0"/>
+          </a:p>
+          <a:p>
+            <a:endParaRPr lang="en-US" altLang="ja-JP" dirty="0"/>
+          </a:p>
+          <a:p>
             <a:endParaRPr lang="ja-JP" altLang="en-US" dirty="0"/>
+          </a:p>
+        </p:txBody>
+      </p:sp>
+      <p:sp>
+        <p:nvSpPr>
+          <p:cNvPr id="20" name="テキスト ボックス 19">
+            <a:extLst>
+              <a:ext uri="{FF2B5EF4-FFF2-40B4-BE49-F238E27FC236}">
+                <a16:creationId xmlns:a16="http://schemas.microsoft.com/office/drawing/2014/main" id="{9B3075A3-15FD-4C24-8AFB-0B0935806877}"/>
+              </a:ext>
+            </a:extLst>
+          </p:cNvPr>
+          <p:cNvSpPr txBox="1"/>
+          <p:nvPr/>
+        </p:nvSpPr>
+        <p:spPr>
+          <a:xfrm>
+            <a:off x="7645399" y="1488533"/>
+            <a:ext cx="3437467" cy="369332"/>
+          </a:xfrm>
+          <a:prstGeom prst="rect">
+            <a:avLst/>
+          </a:prstGeom>
+          <a:noFill/>
+        </p:spPr>
+        <p:txBody>
+          <a:bodyPr wrap="square" rtlCol="0">
+            <a:spAutoFit/>
+          </a:bodyPr>
+          <a:lstStyle/>
+          <a:p>
+            <a:r>
+              <a:rPr kumimoji="1" lang="ja-JP" altLang="en-US" dirty="0"/>
+              <a:t>プレイ中の画面</a:t>
+            </a:r>
+            <a:r>
+              <a:rPr kumimoji="1" lang="en-US" altLang="ja-JP" dirty="0"/>
+              <a:t>(</a:t>
+            </a:r>
+            <a:r>
+              <a:rPr kumimoji="1" lang="ja-JP" altLang="en-US" dirty="0"/>
+              <a:t>予想</a:t>
+            </a:r>
+            <a:r>
+              <a:rPr kumimoji="1" lang="en-US" altLang="ja-JP" dirty="0"/>
+              <a:t>)</a:t>
+            </a:r>
+            <a:endParaRPr kumimoji="1" lang="ja-JP" altLang="en-US" dirty="0"/>
           </a:p>
         </p:txBody>
       </p:sp>
     </p:spTree>
     <p:extLst>
       <p:ext uri="{BB962C8B-B14F-4D97-AF65-F5344CB8AC3E}">
-        <p14:creationId xmlns:p14="http://schemas.microsoft.com/office/powerpoint/2010/main" val="2883461390"/>
+        <p14:creationId xmlns:p14="http://schemas.microsoft.com/office/powerpoint/2010/main" val="720325322"/>
       </p:ext>
     </p:extLst>
   </p:cSld>
@@ -7008,6 +7545,567 @@
       </p:grpSpPr>
       <p:sp>
         <p:nvSpPr>
+          <p:cNvPr id="4" name="タイトル 1">
+            <a:extLst>
+              <a:ext uri="{FF2B5EF4-FFF2-40B4-BE49-F238E27FC236}">
+                <a16:creationId xmlns:a16="http://schemas.microsoft.com/office/drawing/2014/main" id="{319D459C-C0E1-458D-852A-30C955F5D97F}"/>
+              </a:ext>
+            </a:extLst>
+          </p:cNvPr>
+          <p:cNvSpPr txBox="1">
+            <a:spLocks/>
+          </p:cNvSpPr>
+          <p:nvPr/>
+        </p:nvSpPr>
+        <p:spPr>
+          <a:xfrm>
+            <a:off x="677334" y="217488"/>
+            <a:ext cx="8596668" cy="719667"/>
+          </a:xfrm>
+          <a:prstGeom prst="rect">
+            <a:avLst/>
+          </a:prstGeom>
+        </p:spPr>
+        <p:txBody>
+          <a:bodyPr vert="horz" lIns="91440" tIns="45720" rIns="91440" bIns="45720" rtlCol="0" anchor="t">
+            <a:normAutofit/>
+          </a:bodyPr>
+          <a:lstStyle>
+            <a:lvl1pPr algn="l" defTabSz="457200" rtl="0" eaLnBrk="1" latinLnBrk="0" hangingPunct="1">
+              <a:spcBef>
+                <a:spcPct val="0"/>
+              </a:spcBef>
+              <a:buNone/>
+              <a:defRPr kumimoji="1" sz="3600" kern="1200">
+                <a:solidFill>
+                  <a:schemeClr val="accent1"/>
+                </a:solidFill>
+                <a:latin typeface="+mj-lt"/>
+                <a:ea typeface="+mj-ea"/>
+                <a:cs typeface="+mj-cs"/>
+              </a:defRPr>
+            </a:lvl1pPr>
+            <a:lvl2pPr eaLnBrk="1" hangingPunct="1">
+              <a:defRPr kumimoji="1">
+                <a:solidFill>
+                  <a:schemeClr val="tx2"/>
+                </a:solidFill>
+              </a:defRPr>
+            </a:lvl2pPr>
+            <a:lvl3pPr eaLnBrk="1" hangingPunct="1">
+              <a:defRPr kumimoji="1">
+                <a:solidFill>
+                  <a:schemeClr val="tx2"/>
+                </a:solidFill>
+              </a:defRPr>
+            </a:lvl3pPr>
+            <a:lvl4pPr eaLnBrk="1" hangingPunct="1">
+              <a:defRPr kumimoji="1">
+                <a:solidFill>
+                  <a:schemeClr val="tx2"/>
+                </a:solidFill>
+              </a:defRPr>
+            </a:lvl4pPr>
+            <a:lvl5pPr eaLnBrk="1" hangingPunct="1">
+              <a:defRPr kumimoji="1">
+                <a:solidFill>
+                  <a:schemeClr val="tx2"/>
+                </a:solidFill>
+              </a:defRPr>
+            </a:lvl5pPr>
+            <a:lvl6pPr eaLnBrk="1" hangingPunct="1">
+              <a:defRPr kumimoji="1">
+                <a:solidFill>
+                  <a:schemeClr val="tx2"/>
+                </a:solidFill>
+              </a:defRPr>
+            </a:lvl6pPr>
+            <a:lvl7pPr eaLnBrk="1" hangingPunct="1">
+              <a:defRPr kumimoji="1">
+                <a:solidFill>
+                  <a:schemeClr val="tx2"/>
+                </a:solidFill>
+              </a:defRPr>
+            </a:lvl7pPr>
+            <a:lvl8pPr eaLnBrk="1" hangingPunct="1">
+              <a:defRPr kumimoji="1">
+                <a:solidFill>
+                  <a:schemeClr val="tx2"/>
+                </a:solidFill>
+              </a:defRPr>
+            </a:lvl8pPr>
+            <a:lvl9pPr eaLnBrk="1" hangingPunct="1">
+              <a:defRPr kumimoji="1">
+                <a:solidFill>
+                  <a:schemeClr val="tx2"/>
+                </a:solidFill>
+              </a:defRPr>
+            </a:lvl9pPr>
+          </a:lstStyle>
+          <a:p>
+            <a:r>
+              <a:rPr lang="ja-JP" altLang="en-US" dirty="0"/>
+              <a:t>仕様</a:t>
+            </a:r>
+            <a:endParaRPr lang="en-US" altLang="ja-JP" dirty="0"/>
+          </a:p>
+          <a:p>
+            <a:endParaRPr lang="ja-JP" altLang="en-US" dirty="0"/>
+          </a:p>
+        </p:txBody>
+      </p:sp>
+      <p:sp>
+        <p:nvSpPr>
+          <p:cNvPr id="5" name="コンテンツ プレースホルダー 2">
+            <a:extLst>
+              <a:ext uri="{FF2B5EF4-FFF2-40B4-BE49-F238E27FC236}">
+                <a16:creationId xmlns:a16="http://schemas.microsoft.com/office/drawing/2014/main" id="{961B1E6A-91D5-42C7-847D-EF908CA4E265}"/>
+              </a:ext>
+            </a:extLst>
+          </p:cNvPr>
+          <p:cNvSpPr txBox="1">
+            <a:spLocks/>
+          </p:cNvSpPr>
+          <p:nvPr/>
+        </p:nvSpPr>
+        <p:spPr>
+          <a:xfrm>
+            <a:off x="677334" y="937155"/>
+            <a:ext cx="8596668" cy="4633912"/>
+          </a:xfrm>
+          <a:prstGeom prst="rect">
+            <a:avLst/>
+          </a:prstGeom>
+        </p:spPr>
+        <p:txBody>
+          <a:bodyPr vert="horz" lIns="91440" tIns="45720" rIns="91440" bIns="45720" rtlCol="0">
+            <a:normAutofit fontScale="92500" lnSpcReduction="20000"/>
+          </a:bodyPr>
+          <a:lstStyle>
+            <a:lvl1pPr marL="342900" indent="-342900" algn="l" defTabSz="457200" rtl="0" eaLnBrk="1" latinLnBrk="0" hangingPunct="1">
+              <a:spcBef>
+                <a:spcPts val="1000"/>
+              </a:spcBef>
+              <a:spcAft>
+                <a:spcPts val="0"/>
+              </a:spcAft>
+              <a:buClr>
+                <a:schemeClr val="accent1"/>
+              </a:buClr>
+              <a:buSzPct val="80000"/>
+              <a:buFont typeface="Wingdings 3" charset="2"/>
+              <a:buChar char=""/>
+              <a:defRPr kumimoji="1" sz="1800" kern="1200">
+                <a:solidFill>
+                  <a:schemeClr val="tx1">
+                    <a:lumMod val="75000"/>
+                    <a:lumOff val="25000"/>
+                  </a:schemeClr>
+                </a:solidFill>
+                <a:latin typeface="+mn-lt"/>
+                <a:ea typeface="+mn-ea"/>
+                <a:cs typeface="+mn-cs"/>
+              </a:defRPr>
+            </a:lvl1pPr>
+            <a:lvl2pPr marL="742950" indent="-285750" algn="l" defTabSz="457200" rtl="0" eaLnBrk="1" latinLnBrk="0" hangingPunct="1">
+              <a:spcBef>
+                <a:spcPts val="1000"/>
+              </a:spcBef>
+              <a:spcAft>
+                <a:spcPts val="0"/>
+              </a:spcAft>
+              <a:buClr>
+                <a:schemeClr val="accent1"/>
+              </a:buClr>
+              <a:buSzPct val="80000"/>
+              <a:buFont typeface="Wingdings 3" charset="2"/>
+              <a:buChar char=""/>
+              <a:defRPr kumimoji="1" sz="1600" kern="1200">
+                <a:solidFill>
+                  <a:schemeClr val="tx1">
+                    <a:lumMod val="75000"/>
+                    <a:lumOff val="25000"/>
+                  </a:schemeClr>
+                </a:solidFill>
+                <a:latin typeface="+mn-lt"/>
+                <a:ea typeface="+mn-ea"/>
+                <a:cs typeface="+mn-cs"/>
+              </a:defRPr>
+            </a:lvl2pPr>
+            <a:lvl3pPr marL="1143000" indent="-228600" algn="l" defTabSz="457200" rtl="0" eaLnBrk="1" latinLnBrk="0" hangingPunct="1">
+              <a:spcBef>
+                <a:spcPts val="1000"/>
+              </a:spcBef>
+              <a:spcAft>
+                <a:spcPts val="0"/>
+              </a:spcAft>
+              <a:buClr>
+                <a:schemeClr val="accent1"/>
+              </a:buClr>
+              <a:buSzPct val="80000"/>
+              <a:buFont typeface="Wingdings 3" charset="2"/>
+              <a:buChar char=""/>
+              <a:defRPr kumimoji="1" sz="1400" kern="1200">
+                <a:solidFill>
+                  <a:schemeClr val="tx1">
+                    <a:lumMod val="75000"/>
+                    <a:lumOff val="25000"/>
+                  </a:schemeClr>
+                </a:solidFill>
+                <a:latin typeface="+mn-lt"/>
+                <a:ea typeface="+mn-ea"/>
+                <a:cs typeface="+mn-cs"/>
+              </a:defRPr>
+            </a:lvl3pPr>
+            <a:lvl4pPr marL="1600200" indent="-228600" algn="l" defTabSz="457200" rtl="0" eaLnBrk="1" latinLnBrk="0" hangingPunct="1">
+              <a:spcBef>
+                <a:spcPts val="1000"/>
+              </a:spcBef>
+              <a:spcAft>
+                <a:spcPts val="0"/>
+              </a:spcAft>
+              <a:buClr>
+                <a:schemeClr val="accent1"/>
+              </a:buClr>
+              <a:buSzPct val="80000"/>
+              <a:buFont typeface="Wingdings 3" charset="2"/>
+              <a:buChar char=""/>
+              <a:defRPr kumimoji="1" sz="1200" kern="1200">
+                <a:solidFill>
+                  <a:schemeClr val="tx1">
+                    <a:lumMod val="75000"/>
+                    <a:lumOff val="25000"/>
+                  </a:schemeClr>
+                </a:solidFill>
+                <a:latin typeface="+mn-lt"/>
+                <a:ea typeface="+mn-ea"/>
+                <a:cs typeface="+mn-cs"/>
+              </a:defRPr>
+            </a:lvl4pPr>
+            <a:lvl5pPr marL="2057400" indent="-228600" algn="l" defTabSz="457200" rtl="0" eaLnBrk="1" latinLnBrk="0" hangingPunct="1">
+              <a:spcBef>
+                <a:spcPts val="1000"/>
+              </a:spcBef>
+              <a:spcAft>
+                <a:spcPts val="0"/>
+              </a:spcAft>
+              <a:buClr>
+                <a:schemeClr val="accent1"/>
+              </a:buClr>
+              <a:buSzPct val="80000"/>
+              <a:buFont typeface="Wingdings 3" charset="2"/>
+              <a:buChar char=""/>
+              <a:defRPr kumimoji="1" sz="1200" kern="1200">
+                <a:solidFill>
+                  <a:schemeClr val="tx1">
+                    <a:lumMod val="75000"/>
+                    <a:lumOff val="25000"/>
+                  </a:schemeClr>
+                </a:solidFill>
+                <a:latin typeface="+mn-lt"/>
+                <a:ea typeface="+mn-ea"/>
+                <a:cs typeface="+mn-cs"/>
+              </a:defRPr>
+            </a:lvl5pPr>
+            <a:lvl6pPr marL="2514600" indent="-228600" algn="l" defTabSz="457200" rtl="0" eaLnBrk="1" latinLnBrk="0" hangingPunct="1">
+              <a:spcBef>
+                <a:spcPts val="1000"/>
+              </a:spcBef>
+              <a:spcAft>
+                <a:spcPts val="0"/>
+              </a:spcAft>
+              <a:buClr>
+                <a:schemeClr val="accent1"/>
+              </a:buClr>
+              <a:buSzPct val="80000"/>
+              <a:buFont typeface="Wingdings 3" charset="2"/>
+              <a:buChar char=""/>
+              <a:defRPr kumimoji="1" sz="1200" kern="1200">
+                <a:solidFill>
+                  <a:schemeClr val="tx1">
+                    <a:lumMod val="75000"/>
+                    <a:lumOff val="25000"/>
+                  </a:schemeClr>
+                </a:solidFill>
+                <a:latin typeface="+mn-lt"/>
+                <a:ea typeface="+mn-ea"/>
+                <a:cs typeface="+mn-cs"/>
+              </a:defRPr>
+            </a:lvl6pPr>
+            <a:lvl7pPr marL="2971800" indent="-228600" algn="l" defTabSz="457200" rtl="0" eaLnBrk="1" latinLnBrk="0" hangingPunct="1">
+              <a:spcBef>
+                <a:spcPts val="1000"/>
+              </a:spcBef>
+              <a:spcAft>
+                <a:spcPts val="0"/>
+              </a:spcAft>
+              <a:buClr>
+                <a:schemeClr val="accent1"/>
+              </a:buClr>
+              <a:buSzPct val="80000"/>
+              <a:buFont typeface="Wingdings 3" charset="2"/>
+              <a:buChar char=""/>
+              <a:defRPr kumimoji="1" sz="1200" kern="1200">
+                <a:solidFill>
+                  <a:schemeClr val="tx1">
+                    <a:lumMod val="75000"/>
+                    <a:lumOff val="25000"/>
+                  </a:schemeClr>
+                </a:solidFill>
+                <a:latin typeface="+mn-lt"/>
+                <a:ea typeface="+mn-ea"/>
+                <a:cs typeface="+mn-cs"/>
+              </a:defRPr>
+            </a:lvl7pPr>
+            <a:lvl8pPr marL="3429000" indent="-228600" algn="l" defTabSz="457200" rtl="0" eaLnBrk="1" latinLnBrk="0" hangingPunct="1">
+              <a:spcBef>
+                <a:spcPts val="1000"/>
+              </a:spcBef>
+              <a:spcAft>
+                <a:spcPts val="0"/>
+              </a:spcAft>
+              <a:buClr>
+                <a:schemeClr val="accent1"/>
+              </a:buClr>
+              <a:buSzPct val="80000"/>
+              <a:buFont typeface="Wingdings 3" charset="2"/>
+              <a:buChar char=""/>
+              <a:defRPr kumimoji="1" sz="1200" kern="1200">
+                <a:solidFill>
+                  <a:schemeClr val="tx1">
+                    <a:lumMod val="75000"/>
+                    <a:lumOff val="25000"/>
+                  </a:schemeClr>
+                </a:solidFill>
+                <a:latin typeface="+mn-lt"/>
+                <a:ea typeface="+mn-ea"/>
+                <a:cs typeface="+mn-cs"/>
+              </a:defRPr>
+            </a:lvl8pPr>
+            <a:lvl9pPr marL="3886200" indent="-228600" algn="l" defTabSz="457200" rtl="0" eaLnBrk="1" latinLnBrk="0" hangingPunct="1">
+              <a:spcBef>
+                <a:spcPts val="1000"/>
+              </a:spcBef>
+              <a:spcAft>
+                <a:spcPts val="0"/>
+              </a:spcAft>
+              <a:buClr>
+                <a:schemeClr val="accent1"/>
+              </a:buClr>
+              <a:buSzPct val="80000"/>
+              <a:buFont typeface="Wingdings 3" charset="2"/>
+              <a:buChar char=""/>
+              <a:defRPr kumimoji="1" sz="1200" kern="1200">
+                <a:solidFill>
+                  <a:schemeClr val="tx1">
+                    <a:lumMod val="75000"/>
+                    <a:lumOff val="25000"/>
+                  </a:schemeClr>
+                </a:solidFill>
+                <a:latin typeface="+mn-lt"/>
+                <a:ea typeface="+mn-ea"/>
+                <a:cs typeface="+mn-cs"/>
+              </a:defRPr>
+            </a:lvl9pPr>
+          </a:lstStyle>
+          <a:p>
+            <a:r>
+              <a:rPr lang="ja-JP" altLang="en-US" dirty="0"/>
+              <a:t>プレイヤーは攻撃や魔法攻撃ができます</a:t>
+            </a:r>
+            <a:r>
+              <a:rPr lang="en-US" altLang="ja-JP" dirty="0"/>
+              <a:t>(</a:t>
+            </a:r>
+            <a:r>
+              <a:rPr lang="ja-JP" altLang="en-US" dirty="0"/>
+              <a:t>魔法は最初のほうは使えない</a:t>
+            </a:r>
+            <a:r>
+              <a:rPr lang="en-US" altLang="ja-JP" dirty="0"/>
+              <a:t>)</a:t>
+            </a:r>
+            <a:r>
+              <a:rPr lang="ja-JP" altLang="en-US" dirty="0"/>
+              <a:t>。</a:t>
+            </a:r>
+            <a:endParaRPr lang="en-US" altLang="ja-JP" dirty="0"/>
+          </a:p>
+          <a:p>
+            <a:endParaRPr lang="en-US" altLang="ja-JP" dirty="0"/>
+          </a:p>
+          <a:p>
+            <a:r>
+              <a:rPr lang="ja-JP" altLang="en-US" dirty="0"/>
+              <a:t>ステージをクリアすると、ステータスを上げられる</a:t>
+            </a:r>
+            <a:endParaRPr lang="en-US" altLang="ja-JP" dirty="0"/>
+          </a:p>
+          <a:p>
+            <a:pPr marL="0" indent="0">
+              <a:buNone/>
+            </a:pPr>
+            <a:r>
+              <a:rPr lang="ja-JP" altLang="en-US" dirty="0"/>
+              <a:t>　</a:t>
+            </a:r>
+            <a:r>
+              <a:rPr lang="en-US" altLang="ja-JP" dirty="0"/>
+              <a:t>  </a:t>
+            </a:r>
+            <a:r>
+              <a:rPr lang="ja-JP" altLang="en-US" dirty="0"/>
+              <a:t>そこで、攻撃力アップや、魔法の追加</a:t>
+            </a:r>
+            <a:r>
+              <a:rPr lang="en-US" altLang="ja-JP" dirty="0"/>
+              <a:t>(</a:t>
+            </a:r>
+            <a:r>
+              <a:rPr lang="ja-JP" altLang="en-US" dirty="0"/>
+              <a:t>威力アップ</a:t>
+            </a:r>
+            <a:r>
+              <a:rPr lang="en-US" altLang="ja-JP" dirty="0"/>
+              <a:t>),</a:t>
+            </a:r>
+          </a:p>
+          <a:p>
+            <a:pPr marL="0" indent="0">
+              <a:buNone/>
+            </a:pPr>
+            <a:r>
+              <a:rPr lang="en-US" altLang="ja-JP" dirty="0"/>
+              <a:t>      HP</a:t>
+            </a:r>
+            <a:r>
+              <a:rPr lang="ja-JP" altLang="en-US" dirty="0"/>
+              <a:t>の上限アップ</a:t>
+            </a:r>
+            <a:r>
+              <a:rPr lang="en-US" altLang="ja-JP" dirty="0"/>
+              <a:t>,</a:t>
+            </a:r>
+            <a:r>
+              <a:rPr lang="ja-JP" altLang="en-US" dirty="0"/>
+              <a:t>防御力アップなどが行える</a:t>
+            </a:r>
+            <a:endParaRPr lang="en-US" altLang="ja-JP" dirty="0"/>
+          </a:p>
+          <a:p>
+            <a:endParaRPr lang="en-US" altLang="ja-JP" dirty="0"/>
+          </a:p>
+          <a:p>
+            <a:r>
+              <a:rPr lang="ja-JP" altLang="en-US" dirty="0"/>
+              <a:t>敵のモブはプレイヤーに近づいて、攻撃を行う子と、</a:t>
+            </a:r>
+            <a:br>
+              <a:rPr lang="en-US" altLang="ja-JP" dirty="0"/>
+            </a:br>
+            <a:r>
+              <a:rPr lang="ja-JP" altLang="en-US" dirty="0"/>
+              <a:t>遠距離から攻撃を行う子がいる。</a:t>
+            </a:r>
+            <a:endParaRPr lang="en-US" altLang="ja-JP" dirty="0"/>
+          </a:p>
+          <a:p>
+            <a:endParaRPr lang="en-US" altLang="ja-JP" dirty="0"/>
+          </a:p>
+          <a:p>
+            <a:r>
+              <a:rPr lang="ja-JP" altLang="en-US" dirty="0"/>
+              <a:t>敵はまれに回復アイテムを落とす。入手するとその場で体力が回復する</a:t>
+            </a:r>
+            <a:endParaRPr lang="en-US" altLang="ja-JP" dirty="0"/>
+          </a:p>
+          <a:p>
+            <a:endParaRPr lang="en-US" altLang="ja-JP" dirty="0"/>
+          </a:p>
+          <a:p>
+            <a:r>
+              <a:rPr lang="ja-JP" altLang="en-US" dirty="0"/>
+              <a:t>ボスは、様々な攻撃を行う</a:t>
+            </a:r>
+            <a:br>
+              <a:rPr lang="en-US" altLang="ja-JP" dirty="0"/>
+            </a:br>
+            <a:r>
+              <a:rPr lang="en-US" altLang="ja-JP" dirty="0"/>
+              <a:t>(</a:t>
+            </a:r>
+            <a:r>
+              <a:rPr lang="ja-JP" altLang="en-US" dirty="0"/>
+              <a:t>例え</a:t>
+            </a:r>
+            <a:r>
+              <a:rPr lang="en-US" altLang="ja-JP" dirty="0"/>
+              <a:t>:</a:t>
+            </a:r>
+            <a:r>
+              <a:rPr lang="ja-JP" altLang="en-US" dirty="0"/>
+              <a:t>プレイヤーが一定距離に離れているときは、</a:t>
+            </a:r>
+            <a:br>
+              <a:rPr lang="en-US" altLang="ja-JP" dirty="0"/>
+            </a:br>
+            <a:r>
+              <a:rPr lang="en-US" altLang="ja-JP" dirty="0"/>
+              <a:t>         </a:t>
+            </a:r>
+            <a:r>
+              <a:rPr lang="ja-JP" altLang="en-US" dirty="0"/>
+              <a:t>遠距離攻撃を行い、一定距離近づくと、</a:t>
+            </a:r>
+            <a:br>
+              <a:rPr lang="en-US" altLang="ja-JP" dirty="0"/>
+            </a:br>
+            <a:r>
+              <a:rPr lang="ja-JP" altLang="en-US" dirty="0"/>
+              <a:t>　　  近距離攻撃を行うなど</a:t>
+            </a:r>
+            <a:r>
+              <a:rPr lang="en-US" altLang="ja-JP" dirty="0"/>
+              <a:t>)</a:t>
+            </a:r>
+          </a:p>
+          <a:p>
+            <a:endParaRPr lang="ja-JP" altLang="en-US" dirty="0"/>
+          </a:p>
+        </p:txBody>
+      </p:sp>
+    </p:spTree>
+    <p:extLst>
+      <p:ext uri="{BB962C8B-B14F-4D97-AF65-F5344CB8AC3E}">
+        <p14:creationId xmlns:p14="http://schemas.microsoft.com/office/powerpoint/2010/main" val="2883461390"/>
+      </p:ext>
+    </p:extLst>
+  </p:cSld>
+  <p:clrMapOvr>
+    <a:masterClrMapping/>
+  </p:clrMapOvr>
+</p:sld>
+</file>
+
+<file path=ppt/slides/slide5.xml><?xml version="1.0" encoding="utf-8"?>
+<p:sld xmlns:a="http://schemas.openxmlformats.org/drawingml/2006/main" xmlns:r="http://schemas.openxmlformats.org/officeDocument/2006/relationships" xmlns:p="http://schemas.openxmlformats.org/presentationml/2006/main">
+  <p:cSld>
+    <p:spTree>
+      <p:nvGrpSpPr>
+        <p:cNvPr id="1" name=""/>
+        <p:cNvGrpSpPr/>
+        <p:nvPr/>
+      </p:nvGrpSpPr>
+      <p:grpSpPr>
+        <a:xfrm>
+          <a:off x="0" y="0"/>
+          <a:ext cx="0" cy="0"/>
+          <a:chOff x="0" y="0"/>
+          <a:chExt cx="0" cy="0"/>
+        </a:xfrm>
+      </p:grpSpPr>
+      <p:sp>
+        <p:nvSpPr>
           <p:cNvPr id="2" name="タイトル 1">
             <a:extLst>
               <a:ext uri="{FF2B5EF4-FFF2-40B4-BE49-F238E27FC236}">
@@ -7076,8 +8174,8 @@
         </p:blipFill>
         <p:spPr>
           <a:xfrm>
-            <a:off x="364067" y="1435598"/>
-            <a:ext cx="3752447" cy="2056404"/>
+            <a:off x="1550834" y="1407668"/>
+            <a:ext cx="3313398" cy="1815798"/>
           </a:xfrm>
         </p:spPr>
       </p:pic>
@@ -7103,80 +8201,14 @@
         </p:blipFill>
         <p:spPr>
           <a:xfrm>
-            <a:off x="4419602" y="1435598"/>
-            <a:ext cx="3657311" cy="2056404"/>
+            <a:off x="6872455" y="1382050"/>
+            <a:ext cx="3313399" cy="1863032"/>
           </a:xfrm>
           <a:prstGeom prst="rect">
             <a:avLst/>
           </a:prstGeom>
         </p:spPr>
       </p:pic>
-      <p:pic>
-        <p:nvPicPr>
-          <p:cNvPr id="4" name="図 3">
-            <a:extLst>
-              <a:ext uri="{FF2B5EF4-FFF2-40B4-BE49-F238E27FC236}">
-                <a16:creationId xmlns:a16="http://schemas.microsoft.com/office/drawing/2014/main" id="{65CA35C1-A55B-4B31-AF3B-09AE2A68AC28}"/>
-              </a:ext>
-            </a:extLst>
-          </p:cNvPr>
-          <p:cNvPicPr>
-            <a:picLocks noChangeAspect="1"/>
-          </p:cNvPicPr>
-          <p:nvPr/>
-        </p:nvPicPr>
-        <p:blipFill>
-          <a:blip r:embed="rId4"/>
-          <a:stretch>
-            <a:fillRect/>
-          </a:stretch>
-        </p:blipFill>
-        <p:spPr>
-          <a:xfrm>
-            <a:off x="8380000" y="1435598"/>
-            <a:ext cx="3657311" cy="2056404"/>
-          </a:xfrm>
-          <a:prstGeom prst="rect">
-            <a:avLst/>
-          </a:prstGeom>
-        </p:spPr>
-      </p:pic>
-      <p:sp>
-        <p:nvSpPr>
-          <p:cNvPr id="8" name="テキスト ボックス 7">
-            <a:extLst>
-              <a:ext uri="{FF2B5EF4-FFF2-40B4-BE49-F238E27FC236}">
-                <a16:creationId xmlns:a16="http://schemas.microsoft.com/office/drawing/2014/main" id="{CA17F90F-5BEE-4563-A259-C51E4F1C17B3}"/>
-              </a:ext>
-            </a:extLst>
-          </p:cNvPr>
-          <p:cNvSpPr txBox="1"/>
-          <p:nvPr/>
-        </p:nvSpPr>
-        <p:spPr>
-          <a:xfrm>
-            <a:off x="5958889" y="4097866"/>
-            <a:ext cx="2878666" cy="369332"/>
-          </a:xfrm>
-          <a:prstGeom prst="rect">
-            <a:avLst/>
-          </a:prstGeom>
-          <a:noFill/>
-        </p:spPr>
-        <p:txBody>
-          <a:bodyPr wrap="square" rtlCol="0">
-            <a:spAutoFit/>
-          </a:bodyPr>
-          <a:lstStyle/>
-          <a:p>
-            <a:r>
-              <a:rPr kumimoji="1" lang="ja-JP" altLang="en-US" dirty="0"/>
-              <a:t>ゲームオーバー</a:t>
-            </a:r>
-            <a:endParaRPr kumimoji="1" lang="en-US" altLang="ja-JP" dirty="0"/>
-          </a:p>
-        </p:txBody>
-      </p:sp>
       <p:sp>
         <p:nvSpPr>
           <p:cNvPr id="9" name="テキスト ボックス 8">
@@ -7191,7 +8223,7 @@
         </p:nvSpPr>
         <p:spPr>
           <a:xfrm>
-            <a:off x="4656667" y="1066266"/>
+            <a:off x="6872454" y="1012718"/>
             <a:ext cx="2878666" cy="369332"/>
           </a:xfrm>
           <a:prstGeom prst="rect">
@@ -7209,239 +8241,6 @@
               <a:rPr kumimoji="1" lang="ja-JP" altLang="en-US" dirty="0"/>
               <a:t>プレイ中</a:t>
             </a:r>
-          </a:p>
-        </p:txBody>
-      </p:sp>
-      <p:sp>
-        <p:nvSpPr>
-          <p:cNvPr id="10" name="テキスト ボックス 9">
-            <a:extLst>
-              <a:ext uri="{FF2B5EF4-FFF2-40B4-BE49-F238E27FC236}">
-                <a16:creationId xmlns:a16="http://schemas.microsoft.com/office/drawing/2014/main" id="{50BD8D16-BC11-455B-8D75-3443DA4C1D5A}"/>
-              </a:ext>
-            </a:extLst>
-          </p:cNvPr>
-          <p:cNvSpPr txBox="1"/>
-          <p:nvPr/>
-        </p:nvSpPr>
-        <p:spPr>
-          <a:xfrm>
-            <a:off x="8617066" y="1081599"/>
-            <a:ext cx="2878666" cy="369332"/>
-          </a:xfrm>
-          <a:prstGeom prst="rect">
-            <a:avLst/>
-          </a:prstGeom>
-          <a:noFill/>
-        </p:spPr>
-        <p:txBody>
-          <a:bodyPr wrap="square" rtlCol="0">
-            <a:spAutoFit/>
-          </a:bodyPr>
-          <a:lstStyle/>
-          <a:p>
-            <a:r>
-              <a:rPr kumimoji="1" lang="ja-JP" altLang="en-US" dirty="0"/>
-              <a:t>クリア</a:t>
-            </a:r>
-            <a:endParaRPr kumimoji="1" lang="en-US" altLang="ja-JP" dirty="0"/>
-          </a:p>
-        </p:txBody>
-      </p:sp>
-      <p:sp>
-        <p:nvSpPr>
-          <p:cNvPr id="3" name="正方形/長方形 2">
-            <a:extLst>
-              <a:ext uri="{FF2B5EF4-FFF2-40B4-BE49-F238E27FC236}">
-                <a16:creationId xmlns:a16="http://schemas.microsoft.com/office/drawing/2014/main" id="{BE624723-E506-4F56-9E4E-4E4E1FF3791C}"/>
-              </a:ext>
-            </a:extLst>
-          </p:cNvPr>
-          <p:cNvSpPr/>
-          <p:nvPr/>
-        </p:nvSpPr>
-        <p:spPr>
-          <a:xfrm>
-            <a:off x="1024467" y="4470400"/>
-            <a:ext cx="3395135" cy="2175933"/>
-          </a:xfrm>
-          <a:prstGeom prst="rect">
-            <a:avLst/>
-          </a:prstGeom>
-        </p:spPr>
-        <p:style>
-          <a:lnRef idx="2">
-            <a:schemeClr val="accent1">
-              <a:shade val="50000"/>
-            </a:schemeClr>
-          </a:lnRef>
-          <a:fillRef idx="1">
-            <a:schemeClr val="accent1"/>
-          </a:fillRef>
-          <a:effectRef idx="0">
-            <a:schemeClr val="accent1"/>
-          </a:effectRef>
-          <a:fontRef idx="minor">
-            <a:schemeClr val="lt1"/>
-          </a:fontRef>
-        </p:style>
-        <p:txBody>
-          <a:bodyPr rtlCol="0" anchor="ctr"/>
-          <a:lstStyle/>
-          <a:p>
-            <a:pPr algn="ctr"/>
-            <a:endParaRPr kumimoji="1" lang="ja-JP" altLang="en-US"/>
-          </a:p>
-        </p:txBody>
-      </p:sp>
-      <p:sp>
-        <p:nvSpPr>
-          <p:cNvPr id="6" name="正方形/長方形 5">
-            <a:extLst>
-              <a:ext uri="{FF2B5EF4-FFF2-40B4-BE49-F238E27FC236}">
-                <a16:creationId xmlns:a16="http://schemas.microsoft.com/office/drawing/2014/main" id="{E65E7529-72B1-429C-92E5-5C3503C6FD58}"/>
-              </a:ext>
-            </a:extLst>
-          </p:cNvPr>
-          <p:cNvSpPr/>
-          <p:nvPr/>
-        </p:nvSpPr>
-        <p:spPr>
-          <a:xfrm>
-            <a:off x="1227667" y="4656667"/>
-            <a:ext cx="1380067" cy="1456266"/>
-          </a:xfrm>
-          <a:prstGeom prst="rect">
-            <a:avLst/>
-          </a:prstGeom>
-        </p:spPr>
-        <p:style>
-          <a:lnRef idx="2">
-            <a:schemeClr val="dk1"/>
-          </a:lnRef>
-          <a:fillRef idx="1">
-            <a:schemeClr val="lt1"/>
-          </a:fillRef>
-          <a:effectRef idx="0">
-            <a:schemeClr val="dk1"/>
-          </a:effectRef>
-          <a:fontRef idx="minor">
-            <a:schemeClr val="dk1"/>
-          </a:fontRef>
-        </p:style>
-        <p:txBody>
-          <a:bodyPr rtlCol="0" anchor="ctr"/>
-          <a:lstStyle/>
-          <a:p>
-            <a:pPr algn="ctr"/>
-            <a:r>
-              <a:rPr kumimoji="1" lang="ja-JP" altLang="en-US" dirty="0"/>
-              <a:t>ステージ</a:t>
-            </a:r>
-            <a:r>
-              <a:rPr kumimoji="1" lang="en-US" altLang="ja-JP" dirty="0"/>
-              <a:t>1</a:t>
-            </a:r>
-          </a:p>
-        </p:txBody>
-      </p:sp>
-      <p:sp>
-        <p:nvSpPr>
-          <p:cNvPr id="11" name="正方形/長方形 10">
-            <a:extLst>
-              <a:ext uri="{FF2B5EF4-FFF2-40B4-BE49-F238E27FC236}">
-                <a16:creationId xmlns:a16="http://schemas.microsoft.com/office/drawing/2014/main" id="{ED35EF42-6F56-456D-AF8F-E433470E3E33}"/>
-              </a:ext>
-            </a:extLst>
-          </p:cNvPr>
-          <p:cNvSpPr/>
-          <p:nvPr/>
-        </p:nvSpPr>
-        <p:spPr>
-          <a:xfrm>
-            <a:off x="2810933" y="4656667"/>
-            <a:ext cx="1380067" cy="1456266"/>
-          </a:xfrm>
-          <a:prstGeom prst="rect">
-            <a:avLst/>
-          </a:prstGeom>
-          <a:solidFill>
-            <a:schemeClr val="bg2">
-              <a:lumMod val="90000"/>
-            </a:schemeClr>
-          </a:solidFill>
-        </p:spPr>
-        <p:style>
-          <a:lnRef idx="2">
-            <a:schemeClr val="dk1"/>
-          </a:lnRef>
-          <a:fillRef idx="1">
-            <a:schemeClr val="lt1"/>
-          </a:fillRef>
-          <a:effectRef idx="0">
-            <a:schemeClr val="dk1"/>
-          </a:effectRef>
-          <a:fontRef idx="minor">
-            <a:schemeClr val="dk1"/>
-          </a:fontRef>
-        </p:style>
-        <p:txBody>
-          <a:bodyPr rtlCol="0" anchor="ctr"/>
-          <a:lstStyle/>
-          <a:p>
-            <a:pPr algn="ctr"/>
-            <a:r>
-              <a:rPr kumimoji="1" lang="ja-JP" altLang="en-US" dirty="0"/>
-              <a:t>ステージ</a:t>
-            </a:r>
-            <a:r>
-              <a:rPr kumimoji="1" lang="en-US" altLang="ja-JP" dirty="0"/>
-              <a:t>2</a:t>
-            </a:r>
-          </a:p>
-        </p:txBody>
-      </p:sp>
-      <p:sp>
-        <p:nvSpPr>
-          <p:cNvPr id="12" name="二等辺三角形 11">
-            <a:extLst>
-              <a:ext uri="{FF2B5EF4-FFF2-40B4-BE49-F238E27FC236}">
-                <a16:creationId xmlns:a16="http://schemas.microsoft.com/office/drawing/2014/main" id="{855DD62E-1121-4CB7-B737-A1416BE4CE22}"/>
-              </a:ext>
-            </a:extLst>
-          </p:cNvPr>
-          <p:cNvSpPr/>
-          <p:nvPr/>
-        </p:nvSpPr>
-        <p:spPr>
-          <a:xfrm rot="5400000">
-            <a:off x="3917476" y="6197600"/>
-            <a:ext cx="398076" cy="364066"/>
-          </a:xfrm>
-          <a:prstGeom prst="triangle">
-            <a:avLst/>
-          </a:prstGeom>
-        </p:spPr>
-        <p:style>
-          <a:lnRef idx="2">
-            <a:schemeClr val="accent2"/>
-          </a:lnRef>
-          <a:fillRef idx="1">
-            <a:schemeClr val="lt1"/>
-          </a:fillRef>
-          <a:effectRef idx="0">
-            <a:schemeClr val="accent2"/>
-          </a:effectRef>
-          <a:fontRef idx="minor">
-            <a:schemeClr val="dk1"/>
-          </a:fontRef>
-        </p:style>
-        <p:txBody>
-          <a:bodyPr rtlCol="0" anchor="ctr"/>
-          <a:lstStyle/>
-          <a:p>
-            <a:pPr algn="ctr"/>
-            <a:endParaRPr kumimoji="1" lang="ja-JP" altLang="en-US"/>
           </a:p>
         </p:txBody>
       </p:sp>
@@ -7459,8 +8258,8 @@
         </p:nvSpPr>
         <p:spPr>
           <a:xfrm>
-            <a:off x="1363133" y="4114800"/>
-            <a:ext cx="1905000" cy="369332"/>
+            <a:off x="1909683" y="3625006"/>
+            <a:ext cx="2761085" cy="369332"/>
           </a:xfrm>
           <a:prstGeom prst="rect">
             <a:avLst/>
@@ -7477,40 +8276,21 @@
               <a:rPr kumimoji="1" lang="ja-JP" altLang="en-US" dirty="0"/>
               <a:t>セレクト</a:t>
             </a:r>
-            <a:endParaRPr kumimoji="1" lang="en-US" altLang="ja-JP" dirty="0"/>
-          </a:p>
-        </p:txBody>
-      </p:sp>
-      <p:pic>
-        <p:nvPicPr>
-          <p:cNvPr id="16" name="図 15">
-            <a:extLst>
-              <a:ext uri="{FF2B5EF4-FFF2-40B4-BE49-F238E27FC236}">
-                <a16:creationId xmlns:a16="http://schemas.microsoft.com/office/drawing/2014/main" id="{0CDB81C8-C937-4969-93B0-57B8C0AA7E3B}"/>
-              </a:ext>
-            </a:extLst>
-          </p:cNvPr>
-          <p:cNvPicPr>
-            <a:picLocks noChangeAspect="1"/>
-          </p:cNvPicPr>
-          <p:nvPr/>
-        </p:nvPicPr>
-        <p:blipFill>
-          <a:blip r:embed="rId5"/>
-          <a:stretch>
-            <a:fillRect/>
-          </a:stretch>
-        </p:blipFill>
-        <p:spPr>
-          <a:xfrm>
-            <a:off x="5897621" y="4465597"/>
-            <a:ext cx="3749557" cy="2108271"/>
-          </a:xfrm>
-          <a:prstGeom prst="rect">
-            <a:avLst/>
-          </a:prstGeom>
-        </p:spPr>
-      </p:pic>
+            <a:r>
+              <a:rPr kumimoji="1" lang="en-US" altLang="ja-JP" dirty="0"/>
+              <a:t>(</a:t>
+            </a:r>
+            <a:r>
+              <a:rPr kumimoji="1" lang="ja-JP" altLang="en-US" dirty="0"/>
+              <a:t>予想</a:t>
+            </a:r>
+            <a:r>
+              <a:rPr kumimoji="1" lang="en-US" altLang="ja-JP" dirty="0"/>
+              <a:t>)</a:t>
+            </a:r>
+          </a:p>
+        </p:txBody>
+      </p:sp>
       <p:sp>
         <p:nvSpPr>
           <p:cNvPr id="17" name="テキスト ボックス 16">
@@ -7525,7 +8305,7 @@
         </p:nvSpPr>
         <p:spPr>
           <a:xfrm>
-            <a:off x="933334" y="1095402"/>
+            <a:off x="2394305" y="1059201"/>
             <a:ext cx="2878666" cy="369332"/>
           </a:xfrm>
           <a:prstGeom prst="rect">
@@ -7546,6 +8326,592 @@
           </a:p>
         </p:txBody>
       </p:sp>
+      <p:grpSp>
+        <p:nvGrpSpPr>
+          <p:cNvPr id="24" name="グループ化 23">
+            <a:extLst>
+              <a:ext uri="{FF2B5EF4-FFF2-40B4-BE49-F238E27FC236}">
+                <a16:creationId xmlns:a16="http://schemas.microsoft.com/office/drawing/2014/main" id="{DB9A2B90-D47F-4909-934A-E6532037BA46}"/>
+              </a:ext>
+            </a:extLst>
+          </p:cNvPr>
+          <p:cNvGrpSpPr/>
+          <p:nvPr/>
+        </p:nvGrpSpPr>
+        <p:grpSpPr>
+          <a:xfrm>
+            <a:off x="972179" y="3978328"/>
+            <a:ext cx="4099629" cy="2659538"/>
+            <a:chOff x="364067" y="4478867"/>
+            <a:chExt cx="3318933" cy="2053201"/>
+          </a:xfrm>
+        </p:grpSpPr>
+        <p:sp>
+          <p:nvSpPr>
+            <p:cNvPr id="3" name="正方形/長方形 2">
+              <a:extLst>
+                <a:ext uri="{FF2B5EF4-FFF2-40B4-BE49-F238E27FC236}">
+                  <a16:creationId xmlns:a16="http://schemas.microsoft.com/office/drawing/2014/main" id="{BE624723-E506-4F56-9E4E-4E4E1FF3791C}"/>
+                </a:ext>
+              </a:extLst>
+            </p:cNvPr>
+            <p:cNvSpPr/>
+            <p:nvPr/>
+          </p:nvSpPr>
+          <p:spPr>
+            <a:xfrm>
+              <a:off x="364067" y="4478867"/>
+              <a:ext cx="3318933" cy="2053201"/>
+            </a:xfrm>
+            <a:prstGeom prst="rect">
+              <a:avLst/>
+            </a:prstGeom>
+          </p:spPr>
+          <p:style>
+            <a:lnRef idx="2">
+              <a:schemeClr val="accent1">
+                <a:shade val="50000"/>
+              </a:schemeClr>
+            </a:lnRef>
+            <a:fillRef idx="1">
+              <a:schemeClr val="accent1"/>
+            </a:fillRef>
+            <a:effectRef idx="0">
+              <a:schemeClr val="accent1"/>
+            </a:effectRef>
+            <a:fontRef idx="minor">
+              <a:schemeClr val="lt1"/>
+            </a:fontRef>
+          </p:style>
+          <p:txBody>
+            <a:bodyPr rtlCol="0" anchor="ctr"/>
+            <a:lstStyle/>
+            <a:p>
+              <a:pPr algn="ctr"/>
+              <a:endParaRPr kumimoji="1" lang="ja-JP" altLang="en-US"/>
+            </a:p>
+          </p:txBody>
+        </p:sp>
+        <p:sp>
+          <p:nvSpPr>
+            <p:cNvPr id="6" name="正方形/長方形 5">
+              <a:extLst>
+                <a:ext uri="{FF2B5EF4-FFF2-40B4-BE49-F238E27FC236}">
+                  <a16:creationId xmlns:a16="http://schemas.microsoft.com/office/drawing/2014/main" id="{E65E7529-72B1-429C-92E5-5C3503C6FD58}"/>
+                </a:ext>
+              </a:extLst>
+            </p:cNvPr>
+            <p:cNvSpPr/>
+            <p:nvPr/>
+          </p:nvSpPr>
+          <p:spPr>
+            <a:xfrm>
+              <a:off x="567268" y="4665134"/>
+              <a:ext cx="1349092" cy="1374126"/>
+            </a:xfrm>
+            <a:prstGeom prst="rect">
+              <a:avLst/>
+            </a:prstGeom>
+          </p:spPr>
+          <p:style>
+            <a:lnRef idx="2">
+              <a:schemeClr val="dk1"/>
+            </a:lnRef>
+            <a:fillRef idx="1">
+              <a:schemeClr val="lt1"/>
+            </a:fillRef>
+            <a:effectRef idx="0">
+              <a:schemeClr val="dk1"/>
+            </a:effectRef>
+            <a:fontRef idx="minor">
+              <a:schemeClr val="dk1"/>
+            </a:fontRef>
+          </p:style>
+          <p:txBody>
+            <a:bodyPr rtlCol="0" anchor="ctr"/>
+            <a:lstStyle/>
+            <a:p>
+              <a:pPr algn="ctr"/>
+              <a:r>
+                <a:rPr kumimoji="1" lang="ja-JP" altLang="en-US" dirty="0"/>
+                <a:t>ステージ</a:t>
+              </a:r>
+              <a:r>
+                <a:rPr kumimoji="1" lang="en-US" altLang="ja-JP" dirty="0"/>
+                <a:t>1</a:t>
+              </a:r>
+            </a:p>
+          </p:txBody>
+        </p:sp>
+        <p:sp>
+          <p:nvSpPr>
+            <p:cNvPr id="11" name="正方形/長方形 10">
+              <a:extLst>
+                <a:ext uri="{FF2B5EF4-FFF2-40B4-BE49-F238E27FC236}">
+                  <a16:creationId xmlns:a16="http://schemas.microsoft.com/office/drawing/2014/main" id="{ED35EF42-6F56-456D-AF8F-E433470E3E33}"/>
+                </a:ext>
+              </a:extLst>
+            </p:cNvPr>
+            <p:cNvSpPr/>
+            <p:nvPr/>
+          </p:nvSpPr>
+          <p:spPr>
+            <a:xfrm>
+              <a:off x="2150534" y="4665134"/>
+              <a:ext cx="1349092" cy="1374126"/>
+            </a:xfrm>
+            <a:prstGeom prst="rect">
+              <a:avLst/>
+            </a:prstGeom>
+            <a:solidFill>
+              <a:schemeClr val="bg2">
+                <a:lumMod val="90000"/>
+              </a:schemeClr>
+            </a:solidFill>
+          </p:spPr>
+          <p:style>
+            <a:lnRef idx="2">
+              <a:schemeClr val="dk1"/>
+            </a:lnRef>
+            <a:fillRef idx="1">
+              <a:schemeClr val="lt1"/>
+            </a:fillRef>
+            <a:effectRef idx="0">
+              <a:schemeClr val="dk1"/>
+            </a:effectRef>
+            <a:fontRef idx="minor">
+              <a:schemeClr val="dk1"/>
+            </a:fontRef>
+          </p:style>
+          <p:txBody>
+            <a:bodyPr rtlCol="0" anchor="ctr"/>
+            <a:lstStyle/>
+            <a:p>
+              <a:pPr algn="ctr"/>
+              <a:r>
+                <a:rPr kumimoji="1" lang="ja-JP" altLang="en-US" dirty="0"/>
+                <a:t>ステージ</a:t>
+              </a:r>
+              <a:r>
+                <a:rPr kumimoji="1" lang="en-US" altLang="ja-JP" dirty="0"/>
+                <a:t>2</a:t>
+              </a:r>
+            </a:p>
+          </p:txBody>
+        </p:sp>
+        <p:sp>
+          <p:nvSpPr>
+            <p:cNvPr id="13" name="正方形/長方形 12">
+              <a:extLst>
+                <a:ext uri="{FF2B5EF4-FFF2-40B4-BE49-F238E27FC236}">
+                  <a16:creationId xmlns:a16="http://schemas.microsoft.com/office/drawing/2014/main" id="{C03D4AB6-BF4E-4C6A-8DA7-B8F7BF5AE079}"/>
+                </a:ext>
+              </a:extLst>
+            </p:cNvPr>
+            <p:cNvSpPr/>
+            <p:nvPr/>
+          </p:nvSpPr>
+          <p:spPr>
+            <a:xfrm>
+              <a:off x="1503909" y="6124975"/>
+              <a:ext cx="1158730" cy="348500"/>
+            </a:xfrm>
+            <a:prstGeom prst="rect">
+              <a:avLst/>
+            </a:prstGeom>
+          </p:spPr>
+          <p:style>
+            <a:lnRef idx="2">
+              <a:schemeClr val="dk1"/>
+            </a:lnRef>
+            <a:fillRef idx="1">
+              <a:schemeClr val="lt1"/>
+            </a:fillRef>
+            <a:effectRef idx="0">
+              <a:schemeClr val="dk1"/>
+            </a:effectRef>
+            <a:fontRef idx="minor">
+              <a:schemeClr val="dk1"/>
+            </a:fontRef>
+          </p:style>
+          <p:txBody>
+            <a:bodyPr rtlCol="0" anchor="ctr"/>
+            <a:lstStyle/>
+            <a:p>
+              <a:pPr algn="ctr"/>
+              <a:r>
+                <a:rPr kumimoji="1" lang="ja-JP" altLang="en-US" sz="1200" dirty="0"/>
+                <a:t>ステータス</a:t>
+              </a:r>
+            </a:p>
+          </p:txBody>
+        </p:sp>
+      </p:grpSp>
+      <p:sp>
+        <p:nvSpPr>
+          <p:cNvPr id="21" name="テキスト ボックス 20">
+            <a:extLst>
+              <a:ext uri="{FF2B5EF4-FFF2-40B4-BE49-F238E27FC236}">
+                <a16:creationId xmlns:a16="http://schemas.microsoft.com/office/drawing/2014/main" id="{FDCD658C-FF5B-407E-8EBC-E30A9900B60F}"/>
+              </a:ext>
+            </a:extLst>
+          </p:cNvPr>
+          <p:cNvSpPr txBox="1"/>
+          <p:nvPr/>
+        </p:nvSpPr>
+        <p:spPr>
+          <a:xfrm>
+            <a:off x="7215278" y="3634534"/>
+            <a:ext cx="3067039" cy="369332"/>
+          </a:xfrm>
+          <a:prstGeom prst="rect">
+            <a:avLst/>
+          </a:prstGeom>
+          <a:noFill/>
+        </p:spPr>
+        <p:txBody>
+          <a:bodyPr wrap="square" rtlCol="0">
+            <a:spAutoFit/>
+          </a:bodyPr>
+          <a:lstStyle/>
+          <a:p>
+            <a:r>
+              <a:rPr kumimoji="1" lang="ja-JP" altLang="en-US" dirty="0"/>
+              <a:t>ステータス</a:t>
+            </a:r>
+            <a:r>
+              <a:rPr kumimoji="1" lang="en-US" altLang="ja-JP" dirty="0"/>
+              <a:t>(</a:t>
+            </a:r>
+            <a:r>
+              <a:rPr kumimoji="1" lang="ja-JP" altLang="en-US" dirty="0"/>
+              <a:t>予想</a:t>
+            </a:r>
+            <a:r>
+              <a:rPr kumimoji="1" lang="en-US" altLang="ja-JP" dirty="0"/>
+              <a:t>)</a:t>
+            </a:r>
+          </a:p>
+        </p:txBody>
+      </p:sp>
+      <p:grpSp>
+        <p:nvGrpSpPr>
+          <p:cNvPr id="23" name="グループ化 22">
+            <a:extLst>
+              <a:ext uri="{FF2B5EF4-FFF2-40B4-BE49-F238E27FC236}">
+                <a16:creationId xmlns:a16="http://schemas.microsoft.com/office/drawing/2014/main" id="{BC7F472B-5392-4409-B3DC-3883B434BE0F}"/>
+              </a:ext>
+            </a:extLst>
+          </p:cNvPr>
+          <p:cNvGrpSpPr/>
+          <p:nvPr/>
+        </p:nvGrpSpPr>
+        <p:grpSpPr>
+          <a:xfrm>
+            <a:off x="6872454" y="3995338"/>
+            <a:ext cx="4353442" cy="2583262"/>
+            <a:chOff x="4419602" y="4492598"/>
+            <a:chExt cx="3530598" cy="2039469"/>
+          </a:xfrm>
+        </p:grpSpPr>
+        <p:sp>
+          <p:nvSpPr>
+            <p:cNvPr id="15" name="正方形/長方形 14">
+              <a:extLst>
+                <a:ext uri="{FF2B5EF4-FFF2-40B4-BE49-F238E27FC236}">
+                  <a16:creationId xmlns:a16="http://schemas.microsoft.com/office/drawing/2014/main" id="{DF9EA48B-3716-4068-B0F3-70A5EF2FA071}"/>
+                </a:ext>
+              </a:extLst>
+            </p:cNvPr>
+            <p:cNvSpPr/>
+            <p:nvPr/>
+          </p:nvSpPr>
+          <p:spPr>
+            <a:xfrm>
+              <a:off x="4419602" y="4492598"/>
+              <a:ext cx="3530598" cy="2039469"/>
+            </a:xfrm>
+            <a:prstGeom prst="rect">
+              <a:avLst/>
+            </a:prstGeom>
+          </p:spPr>
+          <p:style>
+            <a:lnRef idx="2">
+              <a:schemeClr val="accent1">
+                <a:shade val="50000"/>
+              </a:schemeClr>
+            </a:lnRef>
+            <a:fillRef idx="1">
+              <a:schemeClr val="accent1"/>
+            </a:fillRef>
+            <a:effectRef idx="0">
+              <a:schemeClr val="accent1"/>
+            </a:effectRef>
+            <a:fontRef idx="minor">
+              <a:schemeClr val="lt1"/>
+            </a:fontRef>
+          </p:style>
+          <p:txBody>
+            <a:bodyPr rtlCol="0" anchor="ctr"/>
+            <a:lstStyle/>
+            <a:p>
+              <a:pPr algn="ctr"/>
+              <a:endParaRPr kumimoji="1" lang="ja-JP" altLang="en-US"/>
+            </a:p>
+          </p:txBody>
+        </p:sp>
+        <p:sp>
+          <p:nvSpPr>
+            <p:cNvPr id="19" name="正方形/長方形 18">
+              <a:extLst>
+                <a:ext uri="{FF2B5EF4-FFF2-40B4-BE49-F238E27FC236}">
+                  <a16:creationId xmlns:a16="http://schemas.microsoft.com/office/drawing/2014/main" id="{D5C10654-7994-4A5C-AAB5-36AE9D327DBA}"/>
+                </a:ext>
+              </a:extLst>
+            </p:cNvPr>
+            <p:cNvSpPr/>
+            <p:nvPr/>
+          </p:nvSpPr>
+          <p:spPr>
+            <a:xfrm>
+              <a:off x="6110248" y="4563535"/>
+              <a:ext cx="1746819" cy="1845732"/>
+            </a:xfrm>
+            <a:prstGeom prst="rect">
+              <a:avLst/>
+            </a:prstGeom>
+          </p:spPr>
+          <p:style>
+            <a:lnRef idx="2">
+              <a:schemeClr val="dk1"/>
+            </a:lnRef>
+            <a:fillRef idx="1">
+              <a:schemeClr val="lt1"/>
+            </a:fillRef>
+            <a:effectRef idx="0">
+              <a:schemeClr val="dk1"/>
+            </a:effectRef>
+            <a:fontRef idx="minor">
+              <a:schemeClr val="dk1"/>
+            </a:fontRef>
+          </p:style>
+          <p:txBody>
+            <a:bodyPr rtlCol="0" anchor="ctr"/>
+            <a:lstStyle/>
+            <a:p>
+              <a:pPr algn="ctr"/>
+              <a:r>
+                <a:rPr kumimoji="1" lang="ja-JP" altLang="en-US" sz="1050" dirty="0"/>
+                <a:t>攻撃力</a:t>
+              </a:r>
+              <a:endParaRPr kumimoji="1" lang="en-US" altLang="ja-JP" sz="1050" dirty="0"/>
+            </a:p>
+            <a:p>
+              <a:pPr algn="ctr"/>
+              <a:r>
+                <a:rPr kumimoji="1" lang="ja-JP" altLang="en-US" sz="1050" dirty="0"/>
+                <a:t>◂　</a:t>
+              </a:r>
+              <a:r>
+                <a:rPr kumimoji="1" lang="en-US" altLang="ja-JP" sz="1050" dirty="0"/>
+                <a:t>0</a:t>
+              </a:r>
+              <a:r>
+                <a:rPr kumimoji="1" lang="ja-JP" altLang="en-US" sz="1050" dirty="0"/>
+                <a:t>　</a:t>
+              </a:r>
+              <a:r>
+                <a:rPr kumimoji="1" lang="en-US" altLang="ja-JP" sz="1050" dirty="0"/>
+                <a:t>‣</a:t>
+              </a:r>
+            </a:p>
+            <a:p>
+              <a:pPr algn="ctr"/>
+              <a:endParaRPr kumimoji="1" lang="en-US" altLang="ja-JP" sz="1050" dirty="0"/>
+            </a:p>
+            <a:p>
+              <a:pPr algn="ctr"/>
+              <a:r>
+                <a:rPr kumimoji="1" lang="ja-JP" altLang="en-US" sz="1050" dirty="0"/>
+                <a:t>魔法攻撃力</a:t>
+              </a:r>
+              <a:endParaRPr kumimoji="1" lang="en-US" altLang="ja-JP" sz="1050" dirty="0"/>
+            </a:p>
+            <a:p>
+              <a:pPr algn="ctr"/>
+              <a:r>
+                <a:rPr kumimoji="1" lang="ja-JP" altLang="en-US" sz="1050" dirty="0"/>
+                <a:t>◂　</a:t>
+              </a:r>
+              <a:r>
+                <a:rPr kumimoji="1" lang="en-US" altLang="ja-JP" sz="1050" dirty="0"/>
+                <a:t>0</a:t>
+              </a:r>
+              <a:r>
+                <a:rPr kumimoji="1" lang="ja-JP" altLang="en-US" sz="1050" dirty="0"/>
+                <a:t>　</a:t>
+              </a:r>
+              <a:r>
+                <a:rPr kumimoji="1" lang="en-US" altLang="ja-JP" sz="1050" dirty="0"/>
+                <a:t>‣</a:t>
+              </a:r>
+            </a:p>
+            <a:p>
+              <a:pPr algn="ctr"/>
+              <a:endParaRPr kumimoji="1" lang="en-US" altLang="ja-JP" sz="1050" dirty="0"/>
+            </a:p>
+            <a:p>
+              <a:pPr algn="ctr"/>
+              <a:r>
+                <a:rPr kumimoji="1" lang="ja-JP" altLang="en-US" sz="1050" dirty="0"/>
+                <a:t>防御力</a:t>
+              </a:r>
+              <a:endParaRPr kumimoji="1" lang="en-US" altLang="ja-JP" sz="1050" dirty="0"/>
+            </a:p>
+            <a:p>
+              <a:pPr algn="ctr"/>
+              <a:r>
+                <a:rPr kumimoji="1" lang="ja-JP" altLang="en-US" sz="1050" dirty="0"/>
+                <a:t>◂　</a:t>
+              </a:r>
+              <a:r>
+                <a:rPr kumimoji="1" lang="en-US" altLang="ja-JP" sz="1050" dirty="0"/>
+                <a:t>0</a:t>
+              </a:r>
+              <a:r>
+                <a:rPr kumimoji="1" lang="ja-JP" altLang="en-US" sz="1050" dirty="0"/>
+                <a:t>　</a:t>
+              </a:r>
+              <a:r>
+                <a:rPr kumimoji="1" lang="en-US" altLang="ja-JP" sz="1050" dirty="0"/>
+                <a:t>‣</a:t>
+              </a:r>
+            </a:p>
+            <a:p>
+              <a:pPr algn="ctr"/>
+              <a:endParaRPr kumimoji="1" lang="en-US" altLang="ja-JP" sz="1050" dirty="0"/>
+            </a:p>
+            <a:p>
+              <a:pPr algn="ctr"/>
+              <a:r>
+                <a:rPr kumimoji="1" lang="ja-JP" altLang="en-US" sz="1050" dirty="0"/>
+                <a:t>体力</a:t>
+              </a:r>
+              <a:endParaRPr kumimoji="1" lang="en-US" altLang="ja-JP" sz="1050" dirty="0"/>
+            </a:p>
+            <a:p>
+              <a:pPr algn="ctr"/>
+              <a:r>
+                <a:rPr kumimoji="1" lang="ja-JP" altLang="en-US" sz="1050" dirty="0"/>
+                <a:t>◂　</a:t>
+              </a:r>
+              <a:r>
+                <a:rPr kumimoji="1" lang="en-US" altLang="ja-JP" sz="1050" dirty="0"/>
+                <a:t>0</a:t>
+              </a:r>
+              <a:r>
+                <a:rPr kumimoji="1" lang="ja-JP" altLang="en-US" sz="1050" dirty="0"/>
+                <a:t>　</a:t>
+              </a:r>
+              <a:r>
+                <a:rPr kumimoji="1" lang="en-US" altLang="ja-JP" sz="1050" dirty="0"/>
+                <a:t>‣</a:t>
+              </a:r>
+            </a:p>
+          </p:txBody>
+        </p:sp>
+        <p:sp>
+          <p:nvSpPr>
+            <p:cNvPr id="20" name="正方形/長方形 19">
+              <a:extLst>
+                <a:ext uri="{FF2B5EF4-FFF2-40B4-BE49-F238E27FC236}">
+                  <a16:creationId xmlns:a16="http://schemas.microsoft.com/office/drawing/2014/main" id="{BA716BD6-244D-43B4-B52D-A891090B60A9}"/>
+                </a:ext>
+              </a:extLst>
+            </p:cNvPr>
+            <p:cNvSpPr/>
+            <p:nvPr/>
+          </p:nvSpPr>
+          <p:spPr>
+            <a:xfrm>
+              <a:off x="4617225" y="4563535"/>
+              <a:ext cx="1295400" cy="389465"/>
+            </a:xfrm>
+            <a:prstGeom prst="rect">
+              <a:avLst/>
+            </a:prstGeom>
+          </p:spPr>
+          <p:style>
+            <a:lnRef idx="2">
+              <a:schemeClr val="dk1"/>
+            </a:lnRef>
+            <a:fillRef idx="1">
+              <a:schemeClr val="lt1"/>
+            </a:fillRef>
+            <a:effectRef idx="0">
+              <a:schemeClr val="dk1"/>
+            </a:effectRef>
+            <a:fontRef idx="minor">
+              <a:schemeClr val="dk1"/>
+            </a:fontRef>
+          </p:style>
+          <p:txBody>
+            <a:bodyPr rtlCol="0" anchor="ctr"/>
+            <a:lstStyle/>
+            <a:p>
+              <a:pPr algn="ctr"/>
+              <a:r>
+                <a:rPr kumimoji="1" lang="ja-JP" altLang="en-US" sz="1200" dirty="0"/>
+                <a:t>ステータス</a:t>
+              </a:r>
+            </a:p>
+          </p:txBody>
+        </p:sp>
+        <p:sp>
+          <p:nvSpPr>
+            <p:cNvPr id="22" name="二等辺三角形 21">
+              <a:extLst>
+                <a:ext uri="{FF2B5EF4-FFF2-40B4-BE49-F238E27FC236}">
+                  <a16:creationId xmlns:a16="http://schemas.microsoft.com/office/drawing/2014/main" id="{C01B244D-56DC-4C3E-B34A-FEA51945B63E}"/>
+                </a:ext>
+              </a:extLst>
+            </p:cNvPr>
+            <p:cNvSpPr/>
+            <p:nvPr/>
+          </p:nvSpPr>
+          <p:spPr>
+            <a:xfrm rot="16200000">
+              <a:off x="4475318" y="6121277"/>
+              <a:ext cx="375623" cy="355895"/>
+            </a:xfrm>
+            <a:prstGeom prst="triangle">
+              <a:avLst/>
+            </a:prstGeom>
+          </p:spPr>
+          <p:style>
+            <a:lnRef idx="2">
+              <a:schemeClr val="accent2"/>
+            </a:lnRef>
+            <a:fillRef idx="1">
+              <a:schemeClr val="lt1"/>
+            </a:fillRef>
+            <a:effectRef idx="0">
+              <a:schemeClr val="accent2"/>
+            </a:effectRef>
+            <a:fontRef idx="minor">
+              <a:schemeClr val="dk1"/>
+            </a:fontRef>
+          </p:style>
+          <p:txBody>
+            <a:bodyPr rtlCol="0" anchor="ctr"/>
+            <a:lstStyle/>
+            <a:p>
+              <a:pPr algn="ctr"/>
+              <a:endParaRPr kumimoji="1" lang="ja-JP" altLang="en-US"/>
+            </a:p>
+          </p:txBody>
+        </p:sp>
+      </p:grpSp>
     </p:spTree>
     <p:extLst>
       <p:ext uri="{BB962C8B-B14F-4D97-AF65-F5344CB8AC3E}">
